--- a/slides/02 - E2 - Cassandra Intro.pptx
+++ b/slides/02 - E2 - Cassandra Intro.pptx
@@ -267,7 +267,7 @@
           <a:p>
             <a:fld id="{8C81D565-392B-4AB9-9647-420EF17AA3FC}" type="datetimeFigureOut">
               <a:rPr lang="it-IT" smtClean="0"/>
-              <a:t>20/12/2021</a:t>
+              <a:t>21/12/2021</a:t>
             </a:fld>
             <a:endParaRPr lang="it-IT" dirty="0"/>
           </a:p>
@@ -2079,7 +2079,7 @@
           <a:p>
             <a:fld id="{65061730-2F0F-4B55-83F4-33856D80FFD7}" type="datetime1">
               <a:rPr lang="en-US" smtClean="0"/>
-              <a:t>12/20/2021</a:t>
+              <a:t>12/21/2021</a:t>
             </a:fld>
             <a:endParaRPr lang="en-US" dirty="0"/>
           </a:p>
@@ -2287,7 +2287,7 @@
           <a:p>
             <a:fld id="{BE1035D6-F845-4530-B289-DD4EC9CAE501}" type="datetime1">
               <a:rPr lang="en-US" smtClean="0"/>
-              <a:t>12/20/2021</a:t>
+              <a:t>12/21/2021</a:t>
             </a:fld>
             <a:endParaRPr lang="en-US" dirty="0"/>
           </a:p>
@@ -2543,7 +2543,7 @@
           <a:p>
             <a:fld id="{EDD3DE46-844C-40F1-AAA7-78AD6518D44C}" type="datetime1">
               <a:rPr lang="en-US" smtClean="0"/>
-              <a:t>12/20/2021</a:t>
+              <a:t>12/21/2021</a:t>
             </a:fld>
             <a:endParaRPr lang="en-US" dirty="0"/>
           </a:p>
@@ -2715,7 +2715,7 @@
           <a:p>
             <a:fld id="{1FCF7768-7A83-43C9-9C3D-95CD5F68D7E2}" type="datetime1">
               <a:rPr lang="en-US" smtClean="0"/>
-              <a:t>12/20/2021</a:t>
+              <a:t>12/21/2021</a:t>
             </a:fld>
             <a:endParaRPr lang="en-US" dirty="0"/>
           </a:p>
@@ -3058,7 +3058,7 @@
           <a:p>
             <a:fld id="{58DD30C4-1715-4BC2-976F-EF7BA4DC70B4}" type="datetime1">
               <a:rPr lang="en-US" smtClean="0"/>
-              <a:t>12/20/2021</a:t>
+              <a:t>12/21/2021</a:t>
             </a:fld>
             <a:endParaRPr lang="en-US" dirty="0"/>
           </a:p>
@@ -3333,7 +3333,7 @@
           <a:p>
             <a:fld id="{E92CF10C-564E-48D4-BE3A-05BB93A7F107}" type="datetime1">
               <a:rPr lang="en-US" smtClean="0"/>
-              <a:t>12/20/2021</a:t>
+              <a:t>12/21/2021</a:t>
             </a:fld>
             <a:endParaRPr lang="en-US" dirty="0"/>
           </a:p>
@@ -3712,7 +3712,7 @@
           <a:p>
             <a:fld id="{CEF5B9DB-33AD-46E7-ADFD-C52815BFEA09}" type="datetime1">
               <a:rPr lang="en-US" smtClean="0"/>
-              <a:t>12/20/2021</a:t>
+              <a:t>12/21/2021</a:t>
             </a:fld>
             <a:endParaRPr lang="en-US" dirty="0"/>
           </a:p>
@@ -3830,7 +3830,7 @@
           <a:p>
             <a:fld id="{EFC02824-932F-46A1-8D0D-D52979BEE663}" type="datetime1">
               <a:rPr lang="en-US" smtClean="0"/>
-              <a:t>12/20/2021</a:t>
+              <a:t>12/21/2021</a:t>
             </a:fld>
             <a:endParaRPr lang="en-US" dirty="0"/>
           </a:p>
@@ -4001,7 +4001,7 @@
           <a:p>
             <a:fld id="{36233CB2-1968-4F08-9AB4-83693145DE18}" type="datetime1">
               <a:rPr lang="en-US" smtClean="0"/>
-              <a:t>12/20/2021</a:t>
+              <a:t>12/21/2021</a:t>
             </a:fld>
             <a:endParaRPr lang="en-US" dirty="0"/>
           </a:p>
@@ -4356,7 +4356,7 @@
           <a:p>
             <a:fld id="{F8F6D7E5-1322-4764-A2E4-7B71FFFDE726}" type="datetime1">
               <a:rPr lang="en-US" smtClean="0"/>
-              <a:t>12/20/2021</a:t>
+              <a:t>12/21/2021</a:t>
             </a:fld>
             <a:endParaRPr lang="en-US" dirty="0"/>
           </a:p>
@@ -4734,7 +4734,7 @@
           <a:p>
             <a:fld id="{E26D0A1A-929F-4DC6-9A8A-74A15252C912}" type="datetime1">
               <a:rPr lang="en-US" smtClean="0"/>
-              <a:t>12/20/2021</a:t>
+              <a:t>12/21/2021</a:t>
             </a:fld>
             <a:endParaRPr lang="en-US" dirty="0"/>
           </a:p>
@@ -5021,7 +5021,7 @@
           <a:p>
             <a:fld id="{EDD3DE46-844C-40F1-AAA7-78AD6518D44C}" type="datetime1">
               <a:rPr lang="en-US" smtClean="0"/>
-              <a:t>12/20/2021</a:t>
+              <a:t>12/21/2021</a:t>
             </a:fld>
             <a:endParaRPr lang="en-US" dirty="0"/>
           </a:p>
@@ -14442,7 +14442,16 @@
                 </a:solidFill>
                 <a:latin typeface="Courier New" panose="02070309020205020404" pitchFamily="49" charset="0"/>
               </a:rPr>
-              <a:t> ((year), id) );</a:t>
+              <a:t> ((year), </a:t>
+            </a:r>
+            <a:r>
+              <a:rPr lang="en-US" sz="1600">
+                <a:solidFill>
+                  <a:srgbClr val="374C51"/>
+                </a:solidFill>
+                <a:latin typeface="Courier New" panose="02070309020205020404" pitchFamily="49" charset="0"/>
+              </a:rPr>
+              <a:t>id));</a:t>
             </a:r>
             <a:endParaRPr lang="en-US" sz="1600" dirty="0"/>
           </a:p>
@@ -14640,7 +14649,7 @@
                 </a:solidFill>
                 <a:latin typeface="Courier New" panose="02070309020205020404" pitchFamily="49" charset="0"/>
               </a:rPr>
-              <a:t> (id) );</a:t>
+              <a:t> (id));</a:t>
             </a:r>
             <a:endParaRPr lang="en-US" sz="1600" dirty="0"/>
           </a:p>
@@ -14838,7 +14847,7 @@
                 </a:solidFill>
                 <a:latin typeface="Courier New" panose="02070309020205020404" pitchFamily="49" charset="0"/>
               </a:rPr>
-              <a:t> ((year), name, id) );</a:t>
+              <a:t> ((year), name, id));</a:t>
             </a:r>
             <a:endParaRPr lang="en-US" sz="1600" dirty="0"/>
           </a:p>

--- a/slides/02 - E2 - Cassandra Intro.pptx
+++ b/slides/02 - E2 - Cassandra Intro.pptx
@@ -22499,12 +22499,16 @@
                     <a:p>
                       <a:pPr algn="l" rtl="0" fontAlgn="t"/>
                       <a:r>
-                        <a:rPr lang="it-IT" sz="1500" b="0">
+                        <a:rPr lang="it-IT" sz="1500" b="0" dirty="0" err="1">
                           <a:effectLst/>
                           <a:latin typeface="inherit"/>
                         </a:rPr>
                         <a:t>bit_rates</a:t>
                       </a:r>
+                      <a:endParaRPr lang="it-IT" sz="1500" b="0" dirty="0">
+                        <a:effectLst/>
+                        <a:latin typeface="inherit"/>
+                      </a:endParaRPr>
                     </a:p>
                   </a:txBody>
                   <a:tcPr marL="78547" marR="78547" marT="39274" marB="39274">
@@ -22620,7 +22624,7 @@
                     <a:p>
                       <a:pPr algn="l" rtl="0" fontAlgn="t"/>
                       <a:r>
-                        <a:rPr lang="it-IT" sz="1500" b="0">
+                        <a:rPr lang="it-IT" sz="1500" b="0" dirty="0">
                           <a:effectLst/>
                           <a:latin typeface="inherit"/>
                         </a:rPr>
@@ -22741,12 +22745,16 @@
                     <a:p>
                       <a:pPr algn="l" rtl="0" fontAlgn="t"/>
                       <a:r>
-                        <a:rPr lang="it-IT" sz="1500" b="0">
+                        <a:rPr lang="it-IT" sz="1500" b="0" dirty="0" err="1">
                           <a:effectLst/>
                           <a:latin typeface="inherit"/>
                         </a:rPr>
                         <a:t>height</a:t>
                       </a:r>
+                      <a:endParaRPr lang="it-IT" sz="1500" b="0" dirty="0">
+                        <a:effectLst/>
+                        <a:latin typeface="inherit"/>
+                      </a:endParaRPr>
                     </a:p>
                   </a:txBody>
                   <a:tcPr marL="78547" marR="78547" marT="39274" marB="39274">
@@ -22798,12 +22806,16 @@
                     <a:p>
                       <a:pPr algn="l" rtl="0" fontAlgn="t"/>
                       <a:r>
-                        <a:rPr lang="it-IT" sz="1500" b="0">
+                        <a:rPr lang="it-IT" sz="1500" b="0" dirty="0" err="1">
                           <a:effectLst/>
                           <a:latin typeface="inherit"/>
                         </a:rPr>
                         <a:t>int</a:t>
                       </a:r>
+                      <a:endParaRPr lang="it-IT" sz="1500" b="0" dirty="0">
+                        <a:effectLst/>
+                        <a:latin typeface="inherit"/>
+                      </a:endParaRPr>
                     </a:p>
                   </a:txBody>
                   <a:tcPr marL="78547" marR="78547" marT="39274" marB="39274">
@@ -28547,12 +28559,16 @@
                     <a:p>
                       <a:pPr algn="l" rtl="0" fontAlgn="t"/>
                       <a:r>
-                        <a:rPr lang="it-IT" sz="1500" b="0">
+                        <a:rPr lang="it-IT" sz="1500" b="0" dirty="0" err="1">
                           <a:effectLst/>
                           <a:latin typeface="inherit"/>
                         </a:rPr>
                         <a:t>video_id</a:t>
                       </a:r>
+                      <a:endParaRPr lang="it-IT" sz="1500" b="0" dirty="0">
+                        <a:effectLst/>
+                        <a:latin typeface="inherit"/>
+                      </a:endParaRPr>
                     </a:p>
                   </a:txBody>
                   <a:tcPr marL="78547" marR="78547" marT="39274" marB="39274">
@@ -28668,12 +28684,16 @@
                     <a:p>
                       <a:pPr algn="l" rtl="0" fontAlgn="t"/>
                       <a:r>
-                        <a:rPr lang="it-IT" sz="1500" b="0">
+                        <a:rPr lang="it-IT" sz="1500" b="0" dirty="0" err="1">
                           <a:effectLst/>
                           <a:latin typeface="inherit"/>
                         </a:rPr>
                         <a:t>added_date</a:t>
                       </a:r>
+                      <a:endParaRPr lang="it-IT" sz="1500" b="0" dirty="0">
+                        <a:effectLst/>
+                        <a:latin typeface="inherit"/>
+                      </a:endParaRPr>
                     </a:p>
                   </a:txBody>
                   <a:tcPr marL="78547" marR="78547" marT="39274" marB="39274">
@@ -28910,7 +28930,7 @@
                     <a:p>
                       <a:pPr algn="l" rtl="0" fontAlgn="t"/>
                       <a:r>
-                        <a:rPr lang="it-IT" sz="1500" b="0">
+                        <a:rPr lang="it-IT" sz="1500" b="0" dirty="0">
                           <a:effectLst/>
                           <a:latin typeface="inherit"/>
                         </a:rPr>
@@ -29031,7 +29051,7 @@
                     <a:p>
                       <a:pPr algn="l" rtl="0" fontAlgn="t"/>
                       <a:r>
-                        <a:rPr lang="it-IT" sz="1500" b="0">
+                        <a:rPr lang="it-IT" sz="1500" b="0" dirty="0">
                           <a:effectLst/>
                           <a:latin typeface="inherit"/>
                         </a:rPr>
@@ -29209,7 +29229,7 @@
                     <a:p>
                       <a:pPr algn="l" rtl="0" fontAlgn="t"/>
                       <a:r>
-                        <a:rPr lang="it-IT" sz="1500" b="0">
+                        <a:rPr lang="it-IT" sz="1500" b="0" dirty="0">
                           <a:effectLst/>
                           <a:latin typeface="inherit"/>
                         </a:rPr>

--- a/slides/02 - E2 - Cassandra Intro.pptx
+++ b/slides/02 - E2 - Cassandra Intro.pptx
@@ -267,7 +267,7 @@
           <a:p>
             <a:fld id="{8C81D565-392B-4AB9-9647-420EF17AA3FC}" type="datetimeFigureOut">
               <a:rPr lang="it-IT" smtClean="0"/>
-              <a:t>21/12/2021</a:t>
+              <a:t>27/12/2021</a:t>
             </a:fld>
             <a:endParaRPr lang="it-IT" dirty="0"/>
           </a:p>
@@ -425,7 +425,7 @@
           <a:p>
             <a:fld id="{B38CEA09-33FA-4F6C-9D30-5FB0AA0E11C3}" type="slidenum">
               <a:rPr lang="it-IT" smtClean="0"/>
-              <a:t>‹#›</a:t>
+              <a:t>‹N›</a:t>
             </a:fld>
             <a:endParaRPr lang="it-IT" dirty="0"/>
           </a:p>
@@ -2079,7 +2079,7 @@
           <a:p>
             <a:fld id="{65061730-2F0F-4B55-83F4-33856D80FFD7}" type="datetime1">
               <a:rPr lang="en-US" smtClean="0"/>
-              <a:t>12/21/2021</a:t>
+              <a:t>12/27/2021</a:t>
             </a:fld>
             <a:endParaRPr lang="en-US" dirty="0"/>
           </a:p>
@@ -2121,7 +2121,7 @@
           <a:p>
             <a:fld id="{4FAB73BC-B049-4115-A692-8D63A059BFB8}" type="slidenum">
               <a:rPr lang="en-US" smtClean="0"/>
-              <a:t>‹#›</a:t>
+              <a:t>‹N›</a:t>
             </a:fld>
             <a:endParaRPr lang="en-US" dirty="0"/>
           </a:p>
@@ -2287,7 +2287,7 @@
           <a:p>
             <a:fld id="{BE1035D6-F845-4530-B289-DD4EC9CAE501}" type="datetime1">
               <a:rPr lang="en-US" smtClean="0"/>
-              <a:t>12/21/2021</a:t>
+              <a:t>12/27/2021</a:t>
             </a:fld>
             <a:endParaRPr lang="en-US" dirty="0"/>
           </a:p>
@@ -2329,7 +2329,7 @@
           <a:p>
             <a:fld id="{4FAB73BC-B049-4115-A692-8D63A059BFB8}" type="slidenum">
               <a:rPr lang="en-US" smtClean="0"/>
-              <a:t>‹#›</a:t>
+              <a:t>‹N›</a:t>
             </a:fld>
             <a:endParaRPr lang="en-US" dirty="0"/>
           </a:p>
@@ -2543,7 +2543,7 @@
           <a:p>
             <a:fld id="{EDD3DE46-844C-40F1-AAA7-78AD6518D44C}" type="datetime1">
               <a:rPr lang="en-US" smtClean="0"/>
-              <a:t>12/21/2021</a:t>
+              <a:t>12/27/2021</a:t>
             </a:fld>
             <a:endParaRPr lang="en-US" dirty="0"/>
           </a:p>
@@ -2586,7 +2586,7 @@
             <a:fld id="{4FAB73BC-B049-4115-A692-8D63A059BFB8}" type="slidenum">
               <a:rPr lang="en-US" smtClean="0"/>
               <a:pPr/>
-              <a:t>‹#›</a:t>
+              <a:t>‹N›</a:t>
             </a:fld>
             <a:endParaRPr lang="en-US" dirty="0"/>
           </a:p>
@@ -2715,7 +2715,7 @@
           <a:p>
             <a:fld id="{1FCF7768-7A83-43C9-9C3D-95CD5F68D7E2}" type="datetime1">
               <a:rPr lang="en-US" smtClean="0"/>
-              <a:t>12/21/2021</a:t>
+              <a:t>12/27/2021</a:t>
             </a:fld>
             <a:endParaRPr lang="en-US" dirty="0"/>
           </a:p>
@@ -2757,7 +2757,7 @@
           <a:p>
             <a:fld id="{629637A9-119A-49DA-BD12-AAC58B377D80}" type="slidenum">
               <a:rPr lang="en-US" smtClean="0"/>
-              <a:t>‹#›</a:t>
+              <a:t>‹N›</a:t>
             </a:fld>
             <a:endParaRPr lang="en-US" dirty="0"/>
           </a:p>
@@ -3058,7 +3058,7 @@
           <a:p>
             <a:fld id="{58DD30C4-1715-4BC2-976F-EF7BA4DC70B4}" type="datetime1">
               <a:rPr lang="en-US" smtClean="0"/>
-              <a:t>12/21/2021</a:t>
+              <a:t>12/27/2021</a:t>
             </a:fld>
             <a:endParaRPr lang="en-US" dirty="0"/>
           </a:p>
@@ -3100,7 +3100,7 @@
           <a:p>
             <a:fld id="{4FAB73BC-B049-4115-A692-8D63A059BFB8}" type="slidenum">
               <a:rPr lang="en-US" smtClean="0"/>
-              <a:t>‹#›</a:t>
+              <a:t>‹N›</a:t>
             </a:fld>
             <a:endParaRPr lang="en-US" dirty="0"/>
           </a:p>
@@ -3333,7 +3333,7 @@
           <a:p>
             <a:fld id="{E92CF10C-564E-48D4-BE3A-05BB93A7F107}" type="datetime1">
               <a:rPr lang="en-US" smtClean="0"/>
-              <a:t>12/21/2021</a:t>
+              <a:t>12/27/2021</a:t>
             </a:fld>
             <a:endParaRPr lang="en-US" dirty="0"/>
           </a:p>
@@ -3375,7 +3375,7 @@
           <a:p>
             <a:fld id="{4FAB73BC-B049-4115-A692-8D63A059BFB8}" type="slidenum">
               <a:rPr lang="en-US" smtClean="0"/>
-              <a:t>‹#›</a:t>
+              <a:t>‹N›</a:t>
             </a:fld>
             <a:endParaRPr lang="en-US" dirty="0"/>
           </a:p>
@@ -3712,7 +3712,7 @@
           <a:p>
             <a:fld id="{CEF5B9DB-33AD-46E7-ADFD-C52815BFEA09}" type="datetime1">
               <a:rPr lang="en-US" smtClean="0"/>
-              <a:t>12/21/2021</a:t>
+              <a:t>12/27/2021</a:t>
             </a:fld>
             <a:endParaRPr lang="en-US" dirty="0"/>
           </a:p>
@@ -3754,7 +3754,7 @@
           <a:p>
             <a:fld id="{4FAB73BC-B049-4115-A692-8D63A059BFB8}" type="slidenum">
               <a:rPr lang="en-US" smtClean="0"/>
-              <a:t>‹#›</a:t>
+              <a:t>‹N›</a:t>
             </a:fld>
             <a:endParaRPr lang="en-US" dirty="0"/>
           </a:p>
@@ -3830,7 +3830,7 @@
           <a:p>
             <a:fld id="{EFC02824-932F-46A1-8D0D-D52979BEE663}" type="datetime1">
               <a:rPr lang="en-US" smtClean="0"/>
-              <a:t>12/21/2021</a:t>
+              <a:t>12/27/2021</a:t>
             </a:fld>
             <a:endParaRPr lang="en-US" dirty="0"/>
           </a:p>
@@ -3872,7 +3872,7 @@
           <a:p>
             <a:fld id="{4FAB73BC-B049-4115-A692-8D63A059BFB8}" type="slidenum">
               <a:rPr lang="en-US" smtClean="0"/>
-              <a:t>‹#›</a:t>
+              <a:t>‹N›</a:t>
             </a:fld>
             <a:endParaRPr lang="en-US" dirty="0"/>
           </a:p>
@@ -4001,7 +4001,7 @@
           <a:p>
             <a:fld id="{36233CB2-1968-4F08-9AB4-83693145DE18}" type="datetime1">
               <a:rPr lang="en-US" smtClean="0"/>
-              <a:t>12/21/2021</a:t>
+              <a:t>12/27/2021</a:t>
             </a:fld>
             <a:endParaRPr lang="en-US" dirty="0"/>
           </a:p>
@@ -4052,7 +4052,7 @@
             <a:fld id="{4FAB73BC-B049-4115-A692-8D63A059BFB8}" type="slidenum">
               <a:rPr lang="en-US" smtClean="0"/>
               <a:pPr/>
-              <a:t>‹#›</a:t>
+              <a:t>‹N›</a:t>
             </a:fld>
             <a:endParaRPr lang="en-US" dirty="0"/>
           </a:p>
@@ -4356,7 +4356,7 @@
           <a:p>
             <a:fld id="{F8F6D7E5-1322-4764-A2E4-7B71FFFDE726}" type="datetime1">
               <a:rPr lang="en-US" smtClean="0"/>
-              <a:t>12/21/2021</a:t>
+              <a:t>12/27/2021</a:t>
             </a:fld>
             <a:endParaRPr lang="en-US" dirty="0"/>
           </a:p>
@@ -4420,7 +4420,7 @@
             <a:fld id="{4FAB73BC-B049-4115-A692-8D63A059BFB8}" type="slidenum">
               <a:rPr lang="en-US" smtClean="0"/>
               <a:pPr/>
-              <a:t>‹#›</a:t>
+              <a:t>‹N›</a:t>
             </a:fld>
             <a:endParaRPr lang="en-US" dirty="0"/>
           </a:p>
@@ -4734,7 +4734,7 @@
           <a:p>
             <a:fld id="{E26D0A1A-929F-4DC6-9A8A-74A15252C912}" type="datetime1">
               <a:rPr lang="en-US" smtClean="0"/>
-              <a:t>12/21/2021</a:t>
+              <a:t>12/27/2021</a:t>
             </a:fld>
             <a:endParaRPr lang="en-US" dirty="0"/>
           </a:p>
@@ -4776,7 +4776,7 @@
           <a:p>
             <a:fld id="{4FAB73BC-B049-4115-A692-8D63A059BFB8}" type="slidenum">
               <a:rPr lang="en-US" smtClean="0"/>
-              <a:t>‹#›</a:t>
+              <a:t>‹N›</a:t>
             </a:fld>
             <a:endParaRPr lang="en-US" dirty="0"/>
           </a:p>
@@ -5021,7 +5021,7 @@
           <a:p>
             <a:fld id="{EDD3DE46-844C-40F1-AAA7-78AD6518D44C}" type="datetime1">
               <a:rPr lang="en-US" smtClean="0"/>
-              <a:t>12/21/2021</a:t>
+              <a:t>12/27/2021</a:t>
             </a:fld>
             <a:endParaRPr lang="en-US" dirty="0"/>
           </a:p>
@@ -5096,7 +5096,7 @@
             <a:fld id="{4FAB73BC-B049-4115-A692-8D63A059BFB8}" type="slidenum">
               <a:rPr lang="en-US" smtClean="0"/>
               <a:pPr/>
-              <a:t>‹#›</a:t>
+              <a:t>‹N›</a:t>
             </a:fld>
             <a:endParaRPr lang="en-US" dirty="0"/>
           </a:p>
@@ -12540,15 +12540,7 @@
             </a:r>
             <a:r>
               <a:rPr lang="en-US" dirty="0"/>
-              <a:t> </a:t>
-            </a:r>
-            <a:r>
-              <a:rPr lang="en-US" dirty="0" err="1"/>
-              <a:t>una</a:t>
-            </a:r>
-            <a:r>
-              <a:rPr lang="en-US" dirty="0"/>
-              <a:t> </a:t>
+              <a:t> una </a:t>
             </a:r>
             <a:r>
               <a:rPr lang="en-US" dirty="0" err="1"/>
@@ -12612,14 +12604,14 @@
             </a:r>
             <a:r>
               <a:rPr lang="en-US" dirty="0"/>
-              <a:t>..</a:t>
+              <a:t>…</a:t>
             </a:r>
           </a:p>
           <a:p>
             <a:pPr lvl="1"/>
             <a:r>
               <a:rPr lang="en-US" dirty="0"/>
-              <a:t>..e </a:t>
+              <a:t>… e </a:t>
             </a:r>
             <a:r>
               <a:rPr lang="en-US" dirty="0" err="1"/>
@@ -12667,15 +12659,7 @@
             </a:r>
             <a:r>
               <a:rPr lang="en-US" dirty="0"/>
-              <a:t> (</a:t>
-            </a:r>
-            <a:r>
-              <a:rPr lang="en-US" dirty="0" err="1"/>
-              <a:t>senza</a:t>
-            </a:r>
-            <a:r>
-              <a:rPr lang="en-US" dirty="0"/>
-              <a:t> </a:t>
+              <a:t> (senza </a:t>
             </a:r>
             <a:r>
               <a:rPr lang="en-US" dirty="0" err="1"/>
@@ -12691,15 +12675,7 @@
             </a:r>
             <a:r>
               <a:rPr lang="en-US" dirty="0"/>
-              <a:t> </a:t>
-            </a:r>
-            <a:r>
-              <a:rPr lang="en-US" dirty="0" err="1"/>
-              <a:t>tutti</a:t>
-            </a:r>
-            <a:r>
-              <a:rPr lang="en-US" dirty="0"/>
-              <a:t>)</a:t>
+              <a:t> tutti)</a:t>
             </a:r>
           </a:p>
         </p:txBody>
@@ -13086,7 +13062,7 @@
                 </a:solidFill>
                 <a:latin typeface="Courier New" panose="02070309020205020404" pitchFamily="49" charset="0"/>
               </a:rPr>
-              <a:t>((year), name)  );</a:t>
+              <a:t>((year), name));</a:t>
             </a:r>
             <a:endParaRPr lang="en-US" sz="1600" dirty="0"/>
           </a:p>
@@ -14208,21 +14184,25 @@
           <a:p>
             <a:r>
               <a:rPr lang="it-IT" dirty="0"/>
-              <a:t>E’ possibile sfruttare i concetti di chiave primaria e chiave di partizione per definire le tabelle in funzione..</a:t>
+              <a:t>E’ possibile sfruttare i concetti di chiave primaria e chiave di partizione per definire le tabelle in funzione…</a:t>
             </a:r>
           </a:p>
           <a:p>
             <a:pPr lvl="1"/>
             <a:r>
               <a:rPr lang="it-IT" dirty="0"/>
-              <a:t>..non solo dei dati che deve contenere..</a:t>
+              <a:t>… non solo dei dati che deve contenere…</a:t>
             </a:r>
           </a:p>
           <a:p>
             <a:pPr lvl="1"/>
             <a:r>
+              <a:rPr lang="it-IT"/>
+              <a:t>… ma </a:t>
+            </a:r>
+            <a:r>
               <a:rPr lang="it-IT" dirty="0"/>
-              <a:t>..ma anche di come li voglio interrogare</a:t>
+              <a:t>anche di come li voglio interrogare</a:t>
             </a:r>
           </a:p>
         </p:txBody>

--- a/slides/02 - E2 - Cassandra Intro.pptx
+++ b/slides/02 - E2 - Cassandra Intro.pptx
@@ -17907,7 +17907,7 @@
             <a:pPr lvl="1"/>
             <a:r>
               <a:rPr lang="it-IT" dirty="0"/>
-              <a:t>Gestione decentralizzata di repliche e scritture (</a:t>
+              <a:t>Gestione decentralizzata di repliche e scritture </a:t>
             </a:r>
             <a:r>
               <a:rPr lang="it-IT" dirty="0">
@@ -17915,7 +17915,7 @@
                   <a:srgbClr val="FF0000"/>
                 </a:solidFill>
               </a:rPr>
-              <a:t>peer-to-peer)</a:t>
+              <a:t>(peer-to-peer)</a:t>
             </a:r>
           </a:p>
           <a:p>

--- a/slides/02 - E2 - Cassandra Intro.pptx
+++ b/slides/02 - E2 - Cassandra Intro.pptx
@@ -268,7 +268,7 @@
           <a:p>
             <a:fld id="{8C81D565-392B-4AB9-9647-420EF17AA3FC}" type="datetimeFigureOut">
               <a:rPr lang="it-IT" smtClean="0"/>
-              <a:t>31/01/2022</a:t>
+              <a:t>02/02/2022</a:t>
             </a:fld>
             <a:endParaRPr lang="it-IT" dirty="0"/>
           </a:p>
@@ -2201,7 +2201,7 @@
           <a:p>
             <a:fld id="{65061730-2F0F-4B55-83F4-33856D80FFD7}" type="datetime1">
               <a:rPr lang="en-US" smtClean="0"/>
-              <a:t>1/31/2022</a:t>
+              <a:t>2/2/2022</a:t>
             </a:fld>
             <a:endParaRPr lang="en-US" dirty="0"/>
           </a:p>
@@ -2409,7 +2409,7 @@
           <a:p>
             <a:fld id="{BE1035D6-F845-4530-B289-DD4EC9CAE501}" type="datetime1">
               <a:rPr lang="en-US" smtClean="0"/>
-              <a:t>1/31/2022</a:t>
+              <a:t>2/2/2022</a:t>
             </a:fld>
             <a:endParaRPr lang="en-US" dirty="0"/>
           </a:p>
@@ -2665,7 +2665,7 @@
           <a:p>
             <a:fld id="{EDD3DE46-844C-40F1-AAA7-78AD6518D44C}" type="datetime1">
               <a:rPr lang="en-US" smtClean="0"/>
-              <a:t>1/31/2022</a:t>
+              <a:t>2/2/2022</a:t>
             </a:fld>
             <a:endParaRPr lang="en-US" dirty="0"/>
           </a:p>
@@ -2837,7 +2837,7 @@
           <a:p>
             <a:fld id="{1FCF7768-7A83-43C9-9C3D-95CD5F68D7E2}" type="datetime1">
               <a:rPr lang="en-US" smtClean="0"/>
-              <a:t>1/31/2022</a:t>
+              <a:t>2/2/2022</a:t>
             </a:fld>
             <a:endParaRPr lang="en-US" dirty="0"/>
           </a:p>
@@ -3180,7 +3180,7 @@
           <a:p>
             <a:fld id="{58DD30C4-1715-4BC2-976F-EF7BA4DC70B4}" type="datetime1">
               <a:rPr lang="en-US" smtClean="0"/>
-              <a:t>1/31/2022</a:t>
+              <a:t>2/2/2022</a:t>
             </a:fld>
             <a:endParaRPr lang="en-US" dirty="0"/>
           </a:p>
@@ -3455,7 +3455,7 @@
           <a:p>
             <a:fld id="{E92CF10C-564E-48D4-BE3A-05BB93A7F107}" type="datetime1">
               <a:rPr lang="en-US" smtClean="0"/>
-              <a:t>1/31/2022</a:t>
+              <a:t>2/2/2022</a:t>
             </a:fld>
             <a:endParaRPr lang="en-US" dirty="0"/>
           </a:p>
@@ -3834,7 +3834,7 @@
           <a:p>
             <a:fld id="{CEF5B9DB-33AD-46E7-ADFD-C52815BFEA09}" type="datetime1">
               <a:rPr lang="en-US" smtClean="0"/>
-              <a:t>1/31/2022</a:t>
+              <a:t>2/2/2022</a:t>
             </a:fld>
             <a:endParaRPr lang="en-US" dirty="0"/>
           </a:p>
@@ -3952,7 +3952,7 @@
           <a:p>
             <a:fld id="{EFC02824-932F-46A1-8D0D-D52979BEE663}" type="datetime1">
               <a:rPr lang="en-US" smtClean="0"/>
-              <a:t>1/31/2022</a:t>
+              <a:t>2/2/2022</a:t>
             </a:fld>
             <a:endParaRPr lang="en-US" dirty="0"/>
           </a:p>
@@ -4123,7 +4123,7 @@
           <a:p>
             <a:fld id="{36233CB2-1968-4F08-9AB4-83693145DE18}" type="datetime1">
               <a:rPr lang="en-US" smtClean="0"/>
-              <a:t>1/31/2022</a:t>
+              <a:t>2/2/2022</a:t>
             </a:fld>
             <a:endParaRPr lang="en-US" dirty="0"/>
           </a:p>
@@ -4478,7 +4478,7 @@
           <a:p>
             <a:fld id="{F8F6D7E5-1322-4764-A2E4-7B71FFFDE726}" type="datetime1">
               <a:rPr lang="en-US" smtClean="0"/>
-              <a:t>1/31/2022</a:t>
+              <a:t>2/2/2022</a:t>
             </a:fld>
             <a:endParaRPr lang="en-US" dirty="0"/>
           </a:p>
@@ -4856,7 +4856,7 @@
           <a:p>
             <a:fld id="{E26D0A1A-929F-4DC6-9A8A-74A15252C912}" type="datetime1">
               <a:rPr lang="en-US" smtClean="0"/>
-              <a:t>1/31/2022</a:t>
+              <a:t>2/2/2022</a:t>
             </a:fld>
             <a:endParaRPr lang="en-US" dirty="0"/>
           </a:p>
@@ -5143,7 +5143,7 @@
           <a:p>
             <a:fld id="{EDD3DE46-844C-40F1-AAA7-78AD6518D44C}" type="datetime1">
               <a:rPr lang="en-US" smtClean="0"/>
-              <a:t>1/31/2022</a:t>
+              <a:t>2/2/2022</a:t>
             </a:fld>
             <a:endParaRPr lang="en-US" dirty="0"/>
           </a:p>
@@ -24296,7 +24296,15 @@
             <a:pPr lvl="2"/>
             <a:r>
               <a:rPr lang="en-US" dirty="0"/>
-              <a:t>docker exec -it Cassandra /bin/bash </a:t>
+              <a:t>docker exec -it </a:t>
+            </a:r>
+            <a:r>
+              <a:rPr lang="en-US" dirty="0" err="1"/>
+              <a:t>cassandra</a:t>
+            </a:r>
+            <a:r>
+              <a:rPr lang="en-US" dirty="0"/>
+              <a:t> /bin/bash </a:t>
             </a:r>
           </a:p>
           <a:p>

--- a/slides/02 - E2 - Cassandra Intro.pptx
+++ b/slides/02 - E2 - Cassandra Intro.pptx
@@ -268,7 +268,7 @@
           <a:p>
             <a:fld id="{8C81D565-392B-4AB9-9647-420EF17AA3FC}" type="datetimeFigureOut">
               <a:rPr lang="it-IT" smtClean="0"/>
-              <a:t>02/02/2022</a:t>
+              <a:t>09/02/2022</a:t>
             </a:fld>
             <a:endParaRPr lang="it-IT" dirty="0"/>
           </a:p>
@@ -2201,7 +2201,7 @@
           <a:p>
             <a:fld id="{65061730-2F0F-4B55-83F4-33856D80FFD7}" type="datetime1">
               <a:rPr lang="en-US" smtClean="0"/>
-              <a:t>2/2/2022</a:t>
+              <a:t>2/9/2022</a:t>
             </a:fld>
             <a:endParaRPr lang="en-US" dirty="0"/>
           </a:p>
@@ -2409,7 +2409,7 @@
           <a:p>
             <a:fld id="{BE1035D6-F845-4530-B289-DD4EC9CAE501}" type="datetime1">
               <a:rPr lang="en-US" smtClean="0"/>
-              <a:t>2/2/2022</a:t>
+              <a:t>2/9/2022</a:t>
             </a:fld>
             <a:endParaRPr lang="en-US" dirty="0"/>
           </a:p>
@@ -2665,7 +2665,7 @@
           <a:p>
             <a:fld id="{EDD3DE46-844C-40F1-AAA7-78AD6518D44C}" type="datetime1">
               <a:rPr lang="en-US" smtClean="0"/>
-              <a:t>2/2/2022</a:t>
+              <a:t>2/9/2022</a:t>
             </a:fld>
             <a:endParaRPr lang="en-US" dirty="0"/>
           </a:p>
@@ -2837,7 +2837,7 @@
           <a:p>
             <a:fld id="{1FCF7768-7A83-43C9-9C3D-95CD5F68D7E2}" type="datetime1">
               <a:rPr lang="en-US" smtClean="0"/>
-              <a:t>2/2/2022</a:t>
+              <a:t>2/9/2022</a:t>
             </a:fld>
             <a:endParaRPr lang="en-US" dirty="0"/>
           </a:p>
@@ -3180,7 +3180,7 @@
           <a:p>
             <a:fld id="{58DD30C4-1715-4BC2-976F-EF7BA4DC70B4}" type="datetime1">
               <a:rPr lang="en-US" smtClean="0"/>
-              <a:t>2/2/2022</a:t>
+              <a:t>2/9/2022</a:t>
             </a:fld>
             <a:endParaRPr lang="en-US" dirty="0"/>
           </a:p>
@@ -3455,7 +3455,7 @@
           <a:p>
             <a:fld id="{E92CF10C-564E-48D4-BE3A-05BB93A7F107}" type="datetime1">
               <a:rPr lang="en-US" smtClean="0"/>
-              <a:t>2/2/2022</a:t>
+              <a:t>2/9/2022</a:t>
             </a:fld>
             <a:endParaRPr lang="en-US" dirty="0"/>
           </a:p>
@@ -3834,7 +3834,7 @@
           <a:p>
             <a:fld id="{CEF5B9DB-33AD-46E7-ADFD-C52815BFEA09}" type="datetime1">
               <a:rPr lang="en-US" smtClean="0"/>
-              <a:t>2/2/2022</a:t>
+              <a:t>2/9/2022</a:t>
             </a:fld>
             <a:endParaRPr lang="en-US" dirty="0"/>
           </a:p>
@@ -3952,7 +3952,7 @@
           <a:p>
             <a:fld id="{EFC02824-932F-46A1-8D0D-D52979BEE663}" type="datetime1">
               <a:rPr lang="en-US" smtClean="0"/>
-              <a:t>2/2/2022</a:t>
+              <a:t>2/9/2022</a:t>
             </a:fld>
             <a:endParaRPr lang="en-US" dirty="0"/>
           </a:p>
@@ -4123,7 +4123,7 @@
           <a:p>
             <a:fld id="{36233CB2-1968-4F08-9AB4-83693145DE18}" type="datetime1">
               <a:rPr lang="en-US" smtClean="0"/>
-              <a:t>2/2/2022</a:t>
+              <a:t>2/9/2022</a:t>
             </a:fld>
             <a:endParaRPr lang="en-US" dirty="0"/>
           </a:p>
@@ -4478,7 +4478,7 @@
           <a:p>
             <a:fld id="{F8F6D7E5-1322-4764-A2E4-7B71FFFDE726}" type="datetime1">
               <a:rPr lang="en-US" smtClean="0"/>
-              <a:t>2/2/2022</a:t>
+              <a:t>2/9/2022</a:t>
             </a:fld>
             <a:endParaRPr lang="en-US" dirty="0"/>
           </a:p>
@@ -4856,7 +4856,7 @@
           <a:p>
             <a:fld id="{E26D0A1A-929F-4DC6-9A8A-74A15252C912}" type="datetime1">
               <a:rPr lang="en-US" smtClean="0"/>
-              <a:t>2/2/2022</a:t>
+              <a:t>2/9/2022</a:t>
             </a:fld>
             <a:endParaRPr lang="en-US" dirty="0"/>
           </a:p>
@@ -5143,7 +5143,7 @@
           <a:p>
             <a:fld id="{EDD3DE46-844C-40F1-AAA7-78AD6518D44C}" type="datetime1">
               <a:rPr lang="en-US" smtClean="0"/>
-              <a:t>2/2/2022</a:t>
+              <a:t>2/9/2022</a:t>
             </a:fld>
             <a:endParaRPr lang="en-US" dirty="0"/>
           </a:p>
@@ -7267,21 +7267,21 @@
           <p:nvPr>
             <p:extLst>
               <p:ext uri="{D42A27DB-BD31-4B8C-83A1-F6EECF244321}">
-                <p14:modId xmlns:p14="http://schemas.microsoft.com/office/powerpoint/2010/main" val="744559595"/>
+                <p14:modId xmlns:p14="http://schemas.microsoft.com/office/powerpoint/2010/main" val="2438965331"/>
               </p:ext>
             </p:extLst>
           </p:nvPr>
         </p:nvGraphicFramePr>
         <p:xfrm>
           <a:off x="4838503" y="2509494"/>
-          <a:ext cx="3586736" cy="1885134"/>
+          <a:ext cx="3115687" cy="1885134"/>
         </p:xfrm>
         <a:graphic>
           <a:graphicData uri="http://schemas.openxmlformats.org/drawingml/2006/table">
             <a:tbl>
               <a:tblPr/>
               <a:tblGrid>
-                <a:gridCol w="1793368">
+                <a:gridCol w="1322319">
                   <a:extLst>
                     <a:ext uri="{9D8B030D-6E8A-4147-A177-3AD203B41FA5}">
                       <a16:colId xmlns:a16="http://schemas.microsoft.com/office/drawing/2014/main" val="20000"/>
@@ -7438,12 +7438,16 @@
                     <a:p>
                       <a:pPr algn="l" rtl="0" fontAlgn="t"/>
                       <a:r>
-                        <a:rPr lang="it-IT" sz="1500" b="0">
+                        <a:rPr lang="it-IT" sz="1500" b="0" u="sng" dirty="0" err="1">
                           <a:effectLst/>
                           <a:latin typeface="inherit"/>
                         </a:rPr>
                         <a:t>video_id</a:t>
                       </a:r>
+                      <a:endParaRPr lang="it-IT" sz="1500" b="0" u="sng" dirty="0">
+                        <a:effectLst/>
+                        <a:latin typeface="inherit"/>
+                      </a:endParaRPr>
                     </a:p>
                   </a:txBody>
                   <a:tcPr marL="78547" marR="78547" marT="39274" marB="39274">
@@ -15543,7 +15547,7 @@
           <p:nvPr>
             <p:extLst>
               <p:ext uri="{D42A27DB-BD31-4B8C-83A1-F6EECF244321}">
-                <p14:modId xmlns:p14="http://schemas.microsoft.com/office/powerpoint/2010/main" val="1803716622"/>
+                <p14:modId xmlns:p14="http://schemas.microsoft.com/office/powerpoint/2010/main" val="856263951"/>
               </p:ext>
             </p:extLst>
           </p:nvPr>
@@ -15699,7 +15703,7 @@
                     <a:p>
                       <a:pPr algn="l" rtl="0" fontAlgn="t"/>
                       <a:r>
-                        <a:rPr lang="it-IT" sz="1500" b="0">
+                        <a:rPr lang="it-IT" sz="1500" b="0" u="sng" dirty="0">
                           <a:effectLst/>
                           <a:latin typeface="inherit"/>
                         </a:rPr>
@@ -15820,12 +15824,16 @@
                     <a:p>
                       <a:pPr algn="l" rtl="0" fontAlgn="t"/>
                       <a:r>
-                        <a:rPr lang="it-IT" sz="1500" b="0">
+                        <a:rPr lang="it-IT" sz="1500" b="0" dirty="0" err="1">
                           <a:effectLst/>
                           <a:latin typeface="inherit"/>
                         </a:rPr>
                         <a:t>added_year</a:t>
                       </a:r>
+                      <a:endParaRPr lang="it-IT" sz="1500" b="0" dirty="0">
+                        <a:effectLst/>
+                        <a:latin typeface="inherit"/>
+                      </a:endParaRPr>
                     </a:p>
                   </a:txBody>
                   <a:tcPr marL="78547" marR="78547" marT="39274" marB="39274">
@@ -15877,12 +15885,16 @@
                     <a:p>
                       <a:pPr algn="l" rtl="0" fontAlgn="t"/>
                       <a:r>
-                        <a:rPr lang="it-IT" sz="1500" b="0">
+                        <a:rPr lang="it-IT" sz="1500" b="0" dirty="0" err="1">
                           <a:effectLst/>
                           <a:latin typeface="inherit"/>
                         </a:rPr>
                         <a:t>int</a:t>
                       </a:r>
+                      <a:endParaRPr lang="it-IT" sz="1500" b="0" dirty="0">
+                        <a:effectLst/>
+                        <a:latin typeface="inherit"/>
+                      </a:endParaRPr>
                     </a:p>
                   </a:txBody>
                   <a:tcPr marL="78547" marR="78547" marT="39274" marB="39274">
@@ -15941,12 +15953,16 @@
                     <a:p>
                       <a:pPr algn="l" rtl="0" fontAlgn="t"/>
                       <a:r>
-                        <a:rPr lang="it-IT" sz="1500" b="0">
+                        <a:rPr lang="it-IT" sz="1500" b="0" u="sng" dirty="0" err="1">
                           <a:effectLst/>
                           <a:latin typeface="inherit"/>
                         </a:rPr>
                         <a:t>video_id</a:t>
                       </a:r>
+                      <a:endParaRPr lang="it-IT" sz="1500" b="0" u="sng" dirty="0">
+                        <a:effectLst/>
+                        <a:latin typeface="inherit"/>
+                      </a:endParaRPr>
                     </a:p>
                   </a:txBody>
                   <a:tcPr marL="78547" marR="78547" marT="39274" marB="39274">
@@ -15998,12 +16014,16 @@
                     <a:p>
                       <a:pPr algn="l" rtl="0" fontAlgn="t"/>
                       <a:r>
-                        <a:rPr lang="it-IT" sz="1500" b="0">
+                        <a:rPr lang="it-IT" sz="1500" b="0" dirty="0" err="1">
                           <a:effectLst/>
                           <a:latin typeface="inherit"/>
                         </a:rPr>
-                        <a:t>uuid</a:t>
+                        <a:t>timeuuid</a:t>
                       </a:r>
+                      <a:endParaRPr lang="it-IT" sz="1500" b="0" dirty="0">
+                        <a:effectLst/>
+                        <a:latin typeface="inherit"/>
+                      </a:endParaRPr>
                     </a:p>
                   </a:txBody>
                   <a:tcPr marL="78547" marR="78547" marT="39274" marB="39274">
@@ -16062,12 +16082,16 @@
                     <a:p>
                       <a:pPr algn="l" rtl="0" fontAlgn="t"/>
                       <a:r>
-                        <a:rPr lang="it-IT" sz="1500" b="0">
+                        <a:rPr lang="it-IT" sz="1500" b="0" dirty="0" err="1">
                           <a:effectLst/>
                           <a:latin typeface="inherit"/>
                         </a:rPr>
                         <a:t>added_date</a:t>
                       </a:r>
+                      <a:endParaRPr lang="it-IT" sz="1500" b="0" dirty="0">
+                        <a:effectLst/>
+                        <a:latin typeface="inherit"/>
+                      </a:endParaRPr>
                     </a:p>
                   </a:txBody>
                   <a:tcPr marL="78547" marR="78547" marT="39274" marB="39274">
@@ -16119,12 +16143,16 @@
                     <a:p>
                       <a:pPr algn="l" rtl="0" fontAlgn="t"/>
                       <a:r>
-                        <a:rPr lang="it-IT" sz="1500" b="0">
+                        <a:rPr lang="it-IT" sz="1500" b="0" dirty="0" err="1">
                           <a:effectLst/>
                           <a:latin typeface="inherit"/>
                         </a:rPr>
                         <a:t>timestamp</a:t>
                       </a:r>
+                      <a:endParaRPr lang="it-IT" sz="1500" b="0" dirty="0">
+                        <a:effectLst/>
+                        <a:latin typeface="inherit"/>
+                      </a:endParaRPr>
                     </a:p>
                   </a:txBody>
                   <a:tcPr marL="78547" marR="78547" marT="39274" marB="39274">
@@ -16240,7 +16268,7 @@
                     <a:p>
                       <a:pPr algn="l" rtl="0" fontAlgn="t"/>
                       <a:r>
-                        <a:rPr lang="it-IT" sz="1500" b="0">
+                        <a:rPr lang="it-IT" sz="1500" b="0" dirty="0">
                           <a:effectLst/>
                           <a:latin typeface="inherit"/>
                         </a:rPr>
@@ -24245,12 +24273,8 @@
           <a:p>
             <a:pPr lvl="1"/>
             <a:r>
-              <a:rPr lang="en-US" dirty="0" err="1"/>
-              <a:t>Cassadra</a:t>
-            </a:r>
-            <a:r>
-              <a:rPr lang="en-US" dirty="0"/>
-              <a:t> è </a:t>
+              <a:rPr lang="en-US" dirty="0"/>
+              <a:t>Cassandra è </a:t>
             </a:r>
             <a:r>
               <a:rPr lang="en-US" dirty="0" err="1"/>

--- a/slides/02 - E2 - Cassandra Intro.pptx
+++ b/slides/02 - E2 - Cassandra Intro.pptx
@@ -268,7 +268,7 @@
           <a:p>
             <a:fld id="{8C81D565-392B-4AB9-9647-420EF17AA3FC}" type="datetimeFigureOut">
               <a:rPr lang="it-IT" smtClean="0"/>
-              <a:t>09/02/2022</a:t>
+              <a:t>15/02/2023</a:t>
             </a:fld>
             <a:endParaRPr lang="it-IT" dirty="0"/>
           </a:p>
@@ -690,42 +690,17 @@
           <a:lstStyle/>
           <a:p>
             <a:r>
-              <a:rPr lang="en-US" dirty="0"/>
-              <a:t>DESCRIBE TABLE</a:t>
-            </a:r>
-            <a:r>
-              <a:rPr lang="en-US" baseline="0" dirty="0"/>
-              <a:t> -&gt; </a:t>
-            </a:r>
-            <a:r>
-              <a:rPr lang="en-US" baseline="0" dirty="0" err="1"/>
-              <a:t>notare</a:t>
-            </a:r>
-            <a:r>
-              <a:rPr lang="en-US" baseline="0" dirty="0"/>
-              <a:t> </a:t>
-            </a:r>
-            <a:r>
-              <a:rPr lang="en-US" baseline="0" dirty="0" err="1"/>
-              <a:t>l'ordine</a:t>
-            </a:r>
-            <a:r>
-              <a:rPr lang="en-US" baseline="0" dirty="0"/>
-              <a:t> </a:t>
-            </a:r>
-            <a:r>
-              <a:rPr lang="en-US" baseline="0" dirty="0" err="1"/>
-              <a:t>delle</a:t>
-            </a:r>
-            <a:r>
-              <a:rPr lang="en-US" baseline="0" dirty="0"/>
-              <a:t> </a:t>
-            </a:r>
-            <a:r>
-              <a:rPr lang="en-US" baseline="0" dirty="0" err="1"/>
-              <a:t>colonne</a:t>
-            </a:r>
-            <a:endParaRPr lang="en-US" dirty="0"/>
+              <a:rPr lang="it-IT" dirty="0"/>
+              <a:t>Punto di partenza: ho un file </a:t>
+            </a:r>
+            <a:r>
+              <a:rPr lang="it-IT" dirty="0" err="1"/>
+              <a:t>csv</a:t>
+            </a:r>
+            <a:r>
+              <a:rPr lang="it-IT" dirty="0"/>
+              <a:t> con </a:t>
+            </a:r>
           </a:p>
         </p:txBody>
       </p:sp>
@@ -746,7 +721,7 @@
           <a:p>
             <a:fld id="{B38CEA09-33FA-4F6C-9D30-5FB0AA0E11C3}" type="slidenum">
               <a:rPr lang="it-IT" smtClean="0"/>
-              <a:t>30</a:t>
+              <a:t>28</a:t>
             </a:fld>
             <a:endParaRPr lang="it-IT" dirty="0"/>
           </a:p>
@@ -755,7 +730,7 @@
     </p:spTree>
     <p:extLst>
       <p:ext uri="{BB962C8B-B14F-4D97-AF65-F5344CB8AC3E}">
-        <p14:creationId xmlns:p14="http://schemas.microsoft.com/office/powerpoint/2010/main" val="199411169"/>
+        <p14:creationId xmlns:p14="http://schemas.microsoft.com/office/powerpoint/2010/main" val="1763239004"/>
       </p:ext>
     </p:extLst>
   </p:cSld>
@@ -809,6 +784,42 @@
           <a:bodyPr/>
           <a:lstStyle/>
           <a:p>
+            <a:r>
+              <a:rPr lang="en-US" dirty="0"/>
+              <a:t>DESCRIBE TABLE</a:t>
+            </a:r>
+            <a:r>
+              <a:rPr lang="en-US" baseline="0" dirty="0"/>
+              <a:t> -&gt; </a:t>
+            </a:r>
+            <a:r>
+              <a:rPr lang="en-US" baseline="0" dirty="0" err="1"/>
+              <a:t>notare</a:t>
+            </a:r>
+            <a:r>
+              <a:rPr lang="en-US" baseline="0" dirty="0"/>
+              <a:t> </a:t>
+            </a:r>
+            <a:r>
+              <a:rPr lang="en-US" baseline="0" dirty="0" err="1"/>
+              <a:t>l'ordine</a:t>
+            </a:r>
+            <a:r>
+              <a:rPr lang="en-US" baseline="0" dirty="0"/>
+              <a:t> </a:t>
+            </a:r>
+            <a:r>
+              <a:rPr lang="en-US" baseline="0" dirty="0" err="1"/>
+              <a:t>delle</a:t>
+            </a:r>
+            <a:r>
+              <a:rPr lang="en-US" baseline="0" dirty="0"/>
+              <a:t> </a:t>
+            </a:r>
+            <a:r>
+              <a:rPr lang="en-US" baseline="0" dirty="0" err="1"/>
+              <a:t>colonne</a:t>
+            </a:r>
             <a:endParaRPr lang="en-US" dirty="0"/>
           </a:p>
         </p:txBody>
@@ -830,7 +841,7 @@
           <a:p>
             <a:fld id="{B38CEA09-33FA-4F6C-9D30-5FB0AA0E11C3}" type="slidenum">
               <a:rPr lang="it-IT" smtClean="0"/>
-              <a:t>42</a:t>
+              <a:t>29</a:t>
             </a:fld>
             <a:endParaRPr lang="it-IT" dirty="0"/>
           </a:p>
@@ -839,7 +850,7 @@
     </p:spTree>
     <p:extLst>
       <p:ext uri="{BB962C8B-B14F-4D97-AF65-F5344CB8AC3E}">
-        <p14:creationId xmlns:p14="http://schemas.microsoft.com/office/powerpoint/2010/main" val="134689389"/>
+        <p14:creationId xmlns:p14="http://schemas.microsoft.com/office/powerpoint/2010/main" val="2128317767"/>
       </p:ext>
     </p:extLst>
   </p:cSld>
@@ -894,96 +905,16 @@
           <a:lstStyle/>
           <a:p>
             <a:r>
-              <a:rPr lang="en-US" dirty="0" err="1"/>
-              <a:t>Attenzione</a:t>
-            </a:r>
-            <a:r>
-              <a:rPr lang="en-US" dirty="0"/>
-              <a:t>! </a:t>
-            </a:r>
-            <a:r>
-              <a:rPr lang="en-US" dirty="0" err="1"/>
-              <a:t>Nel</a:t>
-            </a:r>
-            <a:r>
-              <a:rPr lang="en-US" dirty="0"/>
-              <a:t> </a:t>
-            </a:r>
-            <a:r>
-              <a:rPr lang="en-US" dirty="0" err="1"/>
-              <a:t>corso</a:t>
-            </a:r>
-            <a:r>
-              <a:rPr lang="en-US" dirty="0"/>
-              <a:t> di </a:t>
-            </a:r>
-            <a:r>
-              <a:rPr lang="en-US" dirty="0" err="1"/>
-              <a:t>riferimento</a:t>
-            </a:r>
-            <a:r>
-              <a:rPr lang="en-US" dirty="0"/>
-              <a:t> (DS220) </a:t>
-            </a:r>
-            <a:r>
-              <a:rPr lang="en-US" dirty="0" err="1"/>
-              <a:t>viene</a:t>
-            </a:r>
-            <a:r>
-              <a:rPr lang="en-US" dirty="0"/>
-              <a:t> </a:t>
-            </a:r>
-            <a:r>
-              <a:rPr lang="en-US" dirty="0" err="1"/>
-              <a:t>detta</a:t>
-            </a:r>
-            <a:r>
-              <a:rPr lang="en-US" dirty="0"/>
-              <a:t> </a:t>
-            </a:r>
-            <a:r>
-              <a:rPr lang="en-US" dirty="0" err="1"/>
-              <a:t>una</a:t>
-            </a:r>
-            <a:r>
-              <a:rPr lang="en-US" dirty="0"/>
-              <a:t> </a:t>
-            </a:r>
-            <a:r>
-              <a:rPr lang="en-US" dirty="0" err="1"/>
-              <a:t>cosa</a:t>
-            </a:r>
-            <a:r>
-              <a:rPr lang="en-US" dirty="0"/>
-              <a:t> </a:t>
-            </a:r>
-            <a:r>
-              <a:rPr lang="en-US" dirty="0" err="1"/>
-              <a:t>profondamente</a:t>
-            </a:r>
-            <a:r>
-              <a:rPr lang="en-US" dirty="0"/>
-              <a:t> </a:t>
-            </a:r>
-            <a:r>
-              <a:rPr lang="en-US" dirty="0" err="1"/>
-              <a:t>sbagliata</a:t>
-            </a:r>
-            <a:r>
-              <a:rPr lang="en-US" dirty="0"/>
-              <a:t>, </a:t>
-            </a:r>
-            <a:r>
-              <a:rPr lang="en-US" dirty="0" err="1"/>
-              <a:t>ossia</a:t>
+              <a:rPr lang="en-US" dirty="0"/>
+              <a:t>DESCRIBE TABLE</a:t>
             </a:r>
             <a:r>
               <a:rPr lang="en-US" baseline="0" dirty="0"/>
-              <a:t> </a:t>
+              <a:t> -&gt; </a:t>
             </a:r>
             <a:r>
               <a:rPr lang="en-US" baseline="0" dirty="0" err="1"/>
-              <a:t>che</a:t>
+              <a:t>notare</a:t>
             </a:r>
             <a:r>
               <a:rPr lang="en-US" baseline="0" dirty="0"/>
@@ -991,39 +922,106 @@
             </a:r>
             <a:r>
               <a:rPr lang="en-US" baseline="0" dirty="0" err="1"/>
-              <a:t>il</a:t>
+              <a:t>l'ordine</a:t>
             </a:r>
             <a:r>
               <a:rPr lang="en-US" baseline="0" dirty="0"/>
-              <a:t> DBMS prima fa </a:t>
+              <a:t> </a:t>
             </a:r>
             <a:r>
               <a:rPr lang="en-US" baseline="0" dirty="0" err="1"/>
-              <a:t>il</a:t>
+              <a:t>delle</a:t>
             </a:r>
             <a:r>
               <a:rPr lang="en-US" baseline="0" dirty="0"/>
-              <a:t> join, poi </a:t>
+              <a:t> </a:t>
             </a:r>
             <a:r>
               <a:rPr lang="en-US" baseline="0" dirty="0" err="1"/>
-              <a:t>il</a:t>
-            </a:r>
+              <a:t>colonne</a:t>
+            </a:r>
+            <a:endParaRPr lang="en-US" baseline="0" dirty="0"/>
+          </a:p>
+          <a:p>
+            <a:endParaRPr lang="en-US" baseline="0" dirty="0"/>
+          </a:p>
+          <a:p>
             <a:r>
               <a:rPr lang="en-US" baseline="0" dirty="0"/>
-              <a:t> </a:t>
+              <a:t>(</a:t>
             </a:r>
             <a:r>
               <a:rPr lang="en-US" baseline="0" dirty="0" err="1"/>
-              <a:t>filtro</a:t>
+              <a:t>perchè</a:t>
             </a:r>
             <a:r>
               <a:rPr lang="en-US" baseline="0" dirty="0"/>
-              <a:t>. </a:t>
-            </a:r>
-            <a:endParaRPr lang="en-US" dirty="0"/>
-          </a:p>
-          <a:p>
+              <a:t> TAG come </a:t>
+            </a:r>
+            <a:r>
+              <a:rPr lang="en-US" baseline="0" dirty="0" err="1"/>
+              <a:t>partizionamento</a:t>
+            </a:r>
+            <a:r>
+              <a:rPr lang="en-US" baseline="0" dirty="0"/>
+              <a:t> e non </a:t>
+            </a:r>
+            <a:r>
+              <a:rPr lang="en-US" baseline="0" dirty="0" err="1"/>
+              <a:t>anche</a:t>
+            </a:r>
+            <a:r>
+              <a:rPr lang="en-US" baseline="0" dirty="0"/>
+              <a:t> </a:t>
+            </a:r>
+            <a:r>
+              <a:rPr lang="en-US" baseline="0" dirty="0" err="1"/>
+              <a:t>video_id</a:t>
+            </a:r>
+            <a:r>
+              <a:rPr lang="en-US" baseline="0" dirty="0"/>
+              <a:t>? </a:t>
+            </a:r>
+            <a:r>
+              <a:rPr lang="en-US" baseline="0" dirty="0" err="1"/>
+              <a:t>Video_id</a:t>
+            </a:r>
+            <a:r>
+              <a:rPr lang="en-US" baseline="0" dirty="0"/>
+              <a:t> poi </a:t>
+            </a:r>
+            <a:r>
+              <a:rPr lang="en-US" baseline="0" dirty="0" err="1"/>
+              <a:t>crea</a:t>
+            </a:r>
+            <a:r>
+              <a:rPr lang="en-US" baseline="0" dirty="0"/>
+              <a:t> </a:t>
+            </a:r>
+            <a:r>
+              <a:rPr lang="en-US" baseline="0" dirty="0" err="1"/>
+              <a:t>gruppi</a:t>
+            </a:r>
+            <a:r>
+              <a:rPr lang="en-US" baseline="0" dirty="0"/>
+              <a:t> </a:t>
+            </a:r>
+            <a:r>
+              <a:rPr lang="en-US" baseline="0" dirty="0" err="1"/>
+              <a:t>più</a:t>
+            </a:r>
+            <a:r>
+              <a:rPr lang="en-US" baseline="0" dirty="0"/>
+              <a:t> </a:t>
+            </a:r>
+            <a:r>
+              <a:rPr lang="en-US" baseline="0" dirty="0" err="1"/>
+              <a:t>piccoli</a:t>
+            </a:r>
+            <a:r>
+              <a:rPr lang="en-US" baseline="0" dirty="0"/>
+              <a:t>..)</a:t>
+            </a:r>
             <a:endParaRPr lang="en-US" dirty="0"/>
           </a:p>
         </p:txBody>
@@ -1045,6 +1043,392 @@
           <a:p>
             <a:fld id="{B38CEA09-33FA-4F6C-9D30-5FB0AA0E11C3}" type="slidenum">
               <a:rPr lang="it-IT" smtClean="0"/>
+              <a:t>30</a:t>
+            </a:fld>
+            <a:endParaRPr lang="it-IT" dirty="0"/>
+          </a:p>
+        </p:txBody>
+      </p:sp>
+    </p:spTree>
+    <p:extLst>
+      <p:ext uri="{BB962C8B-B14F-4D97-AF65-F5344CB8AC3E}">
+        <p14:creationId xmlns:p14="http://schemas.microsoft.com/office/powerpoint/2010/main" val="199411169"/>
+      </p:ext>
+    </p:extLst>
+  </p:cSld>
+  <p:clrMapOvr>
+    <a:masterClrMapping/>
+  </p:clrMapOvr>
+</p:notes>
+</file>
+
+<file path=ppt/notesSlides/notesSlide13.xml><?xml version="1.0" encoding="utf-8"?>
+<p:notes xmlns:a="http://schemas.openxmlformats.org/drawingml/2006/main" xmlns:r="http://schemas.openxmlformats.org/officeDocument/2006/relationships" xmlns:p="http://schemas.openxmlformats.org/presentationml/2006/main">
+  <p:cSld>
+    <p:spTree>
+      <p:nvGrpSpPr>
+        <p:cNvPr id="1" name=""/>
+        <p:cNvGrpSpPr/>
+        <p:nvPr/>
+      </p:nvGrpSpPr>
+      <p:grpSpPr>
+        <a:xfrm>
+          <a:off x="0" y="0"/>
+          <a:ext cx="0" cy="0"/>
+          <a:chOff x="0" y="0"/>
+          <a:chExt cx="0" cy="0"/>
+        </a:xfrm>
+      </p:grpSpPr>
+      <p:sp>
+        <p:nvSpPr>
+          <p:cNvPr id="2" name="Segnaposto immagine diapositiva 1"/>
+          <p:cNvSpPr>
+            <a:spLocks noGrp="1" noRot="1" noChangeAspect="1"/>
+          </p:cNvSpPr>
+          <p:nvPr>
+            <p:ph type="sldImg"/>
+          </p:nvPr>
+        </p:nvSpPr>
+        <p:spPr/>
+      </p:sp>
+      <p:sp>
+        <p:nvSpPr>
+          <p:cNvPr id="3" name="Segnaposto note 2"/>
+          <p:cNvSpPr>
+            <a:spLocks noGrp="1"/>
+          </p:cNvSpPr>
+          <p:nvPr>
+            <p:ph type="body" idx="1"/>
+          </p:nvPr>
+        </p:nvSpPr>
+        <p:spPr/>
+        <p:txBody>
+          <a:bodyPr/>
+          <a:lstStyle/>
+          <a:p>
+            <a:r>
+              <a:rPr lang="it-IT" dirty="0"/>
+              <a:t>La penultima non va</a:t>
+            </a:r>
+          </a:p>
+        </p:txBody>
+      </p:sp>
+      <p:sp>
+        <p:nvSpPr>
+          <p:cNvPr id="4" name="Segnaposto numero diapositiva 3"/>
+          <p:cNvSpPr>
+            <a:spLocks noGrp="1"/>
+          </p:cNvSpPr>
+          <p:nvPr>
+            <p:ph type="sldNum" sz="quarter" idx="5"/>
+          </p:nvPr>
+        </p:nvSpPr>
+        <p:spPr/>
+        <p:txBody>
+          <a:bodyPr/>
+          <a:lstStyle/>
+          <a:p>
+            <a:fld id="{B38CEA09-33FA-4F6C-9D30-5FB0AA0E11C3}" type="slidenum">
+              <a:rPr lang="it-IT" smtClean="0"/>
+              <a:t>31</a:t>
+            </a:fld>
+            <a:endParaRPr lang="it-IT" dirty="0"/>
+          </a:p>
+        </p:txBody>
+      </p:sp>
+    </p:spTree>
+    <p:extLst>
+      <p:ext uri="{BB962C8B-B14F-4D97-AF65-F5344CB8AC3E}">
+        <p14:creationId xmlns:p14="http://schemas.microsoft.com/office/powerpoint/2010/main" val="2620812623"/>
+      </p:ext>
+    </p:extLst>
+  </p:cSld>
+  <p:clrMapOvr>
+    <a:masterClrMapping/>
+  </p:clrMapOvr>
+</p:notes>
+</file>
+
+<file path=ppt/notesSlides/notesSlide14.xml><?xml version="1.0" encoding="utf-8"?>
+<p:notes xmlns:a="http://schemas.openxmlformats.org/drawingml/2006/main" xmlns:r="http://schemas.openxmlformats.org/officeDocument/2006/relationships" xmlns:p="http://schemas.openxmlformats.org/presentationml/2006/main">
+  <p:cSld>
+    <p:spTree>
+      <p:nvGrpSpPr>
+        <p:cNvPr id="1" name=""/>
+        <p:cNvGrpSpPr/>
+        <p:nvPr/>
+      </p:nvGrpSpPr>
+      <p:grpSpPr>
+        <a:xfrm>
+          <a:off x="0" y="0"/>
+          <a:ext cx="0" cy="0"/>
+          <a:chOff x="0" y="0"/>
+          <a:chExt cx="0" cy="0"/>
+        </a:xfrm>
+      </p:grpSpPr>
+      <p:sp>
+        <p:nvSpPr>
+          <p:cNvPr id="2" name="Segnaposto immagine diapositiva 1"/>
+          <p:cNvSpPr>
+            <a:spLocks noGrp="1" noRot="1" noChangeAspect="1"/>
+          </p:cNvSpPr>
+          <p:nvPr>
+            <p:ph type="sldImg"/>
+          </p:nvPr>
+        </p:nvSpPr>
+        <p:spPr/>
+      </p:sp>
+      <p:sp>
+        <p:nvSpPr>
+          <p:cNvPr id="3" name="Segnaposto note 2"/>
+          <p:cNvSpPr>
+            <a:spLocks noGrp="1"/>
+          </p:cNvSpPr>
+          <p:nvPr>
+            <p:ph type="body" idx="1"/>
+          </p:nvPr>
+        </p:nvSpPr>
+        <p:spPr/>
+        <p:txBody>
+          <a:bodyPr/>
+          <a:lstStyle/>
+          <a:p>
+            <a:endParaRPr lang="en-US" dirty="0"/>
+          </a:p>
+        </p:txBody>
+      </p:sp>
+      <p:sp>
+        <p:nvSpPr>
+          <p:cNvPr id="4" name="Segnaposto numero diapositiva 3"/>
+          <p:cNvSpPr>
+            <a:spLocks noGrp="1"/>
+          </p:cNvSpPr>
+          <p:nvPr>
+            <p:ph type="sldNum" sz="quarter" idx="10"/>
+          </p:nvPr>
+        </p:nvSpPr>
+        <p:spPr/>
+        <p:txBody>
+          <a:bodyPr/>
+          <a:lstStyle/>
+          <a:p>
+            <a:fld id="{B38CEA09-33FA-4F6C-9D30-5FB0AA0E11C3}" type="slidenum">
+              <a:rPr lang="it-IT" smtClean="0"/>
+              <a:t>42</a:t>
+            </a:fld>
+            <a:endParaRPr lang="it-IT" dirty="0"/>
+          </a:p>
+        </p:txBody>
+      </p:sp>
+    </p:spTree>
+    <p:extLst>
+      <p:ext uri="{BB962C8B-B14F-4D97-AF65-F5344CB8AC3E}">
+        <p14:creationId xmlns:p14="http://schemas.microsoft.com/office/powerpoint/2010/main" val="134689389"/>
+      </p:ext>
+    </p:extLst>
+  </p:cSld>
+  <p:clrMapOvr>
+    <a:masterClrMapping/>
+  </p:clrMapOvr>
+</p:notes>
+</file>
+
+<file path=ppt/notesSlides/notesSlide15.xml><?xml version="1.0" encoding="utf-8"?>
+<p:notes xmlns:a="http://schemas.openxmlformats.org/drawingml/2006/main" xmlns:r="http://schemas.openxmlformats.org/officeDocument/2006/relationships" xmlns:p="http://schemas.openxmlformats.org/presentationml/2006/main">
+  <p:cSld>
+    <p:spTree>
+      <p:nvGrpSpPr>
+        <p:cNvPr id="1" name=""/>
+        <p:cNvGrpSpPr/>
+        <p:nvPr/>
+      </p:nvGrpSpPr>
+      <p:grpSpPr>
+        <a:xfrm>
+          <a:off x="0" y="0"/>
+          <a:ext cx="0" cy="0"/>
+          <a:chOff x="0" y="0"/>
+          <a:chExt cx="0" cy="0"/>
+        </a:xfrm>
+      </p:grpSpPr>
+      <p:sp>
+        <p:nvSpPr>
+          <p:cNvPr id="2" name="Segnaposto immagine diapositiva 1"/>
+          <p:cNvSpPr>
+            <a:spLocks noGrp="1" noRot="1" noChangeAspect="1"/>
+          </p:cNvSpPr>
+          <p:nvPr>
+            <p:ph type="sldImg"/>
+          </p:nvPr>
+        </p:nvSpPr>
+        <p:spPr/>
+      </p:sp>
+      <p:sp>
+        <p:nvSpPr>
+          <p:cNvPr id="3" name="Segnaposto note 2"/>
+          <p:cNvSpPr>
+            <a:spLocks noGrp="1"/>
+          </p:cNvSpPr>
+          <p:nvPr>
+            <p:ph type="body" idx="1"/>
+          </p:nvPr>
+        </p:nvSpPr>
+        <p:spPr/>
+        <p:txBody>
+          <a:bodyPr/>
+          <a:lstStyle/>
+          <a:p>
+            <a:r>
+              <a:rPr lang="en-US" dirty="0" err="1"/>
+              <a:t>Attenzione</a:t>
+            </a:r>
+            <a:r>
+              <a:rPr lang="en-US" dirty="0"/>
+              <a:t>! </a:t>
+            </a:r>
+            <a:r>
+              <a:rPr lang="en-US" dirty="0" err="1"/>
+              <a:t>Nel</a:t>
+            </a:r>
+            <a:r>
+              <a:rPr lang="en-US" dirty="0"/>
+              <a:t> </a:t>
+            </a:r>
+            <a:r>
+              <a:rPr lang="en-US" dirty="0" err="1"/>
+              <a:t>corso</a:t>
+            </a:r>
+            <a:r>
+              <a:rPr lang="en-US" dirty="0"/>
+              <a:t> di </a:t>
+            </a:r>
+            <a:r>
+              <a:rPr lang="en-US" dirty="0" err="1"/>
+              <a:t>riferimento</a:t>
+            </a:r>
+            <a:r>
+              <a:rPr lang="en-US" dirty="0"/>
+              <a:t> (DS220) </a:t>
+            </a:r>
+            <a:r>
+              <a:rPr lang="en-US" dirty="0" err="1"/>
+              <a:t>viene</a:t>
+            </a:r>
+            <a:r>
+              <a:rPr lang="en-US" dirty="0"/>
+              <a:t> </a:t>
+            </a:r>
+            <a:r>
+              <a:rPr lang="en-US" dirty="0" err="1"/>
+              <a:t>detta</a:t>
+            </a:r>
+            <a:r>
+              <a:rPr lang="en-US" dirty="0"/>
+              <a:t> </a:t>
+            </a:r>
+            <a:r>
+              <a:rPr lang="en-US" dirty="0" err="1"/>
+              <a:t>una</a:t>
+            </a:r>
+            <a:r>
+              <a:rPr lang="en-US" dirty="0"/>
+              <a:t> </a:t>
+            </a:r>
+            <a:r>
+              <a:rPr lang="en-US" dirty="0" err="1"/>
+              <a:t>cosa</a:t>
+            </a:r>
+            <a:r>
+              <a:rPr lang="en-US" dirty="0"/>
+              <a:t> </a:t>
+            </a:r>
+            <a:r>
+              <a:rPr lang="en-US" dirty="0" err="1"/>
+              <a:t>profondamente</a:t>
+            </a:r>
+            <a:r>
+              <a:rPr lang="en-US" dirty="0"/>
+              <a:t> </a:t>
+            </a:r>
+            <a:r>
+              <a:rPr lang="en-US" dirty="0" err="1"/>
+              <a:t>sbagliata</a:t>
+            </a:r>
+            <a:r>
+              <a:rPr lang="en-US" dirty="0"/>
+              <a:t>, </a:t>
+            </a:r>
+            <a:r>
+              <a:rPr lang="en-US" dirty="0" err="1"/>
+              <a:t>ossia</a:t>
+            </a:r>
+            <a:r>
+              <a:rPr lang="en-US" baseline="0" dirty="0"/>
+              <a:t> </a:t>
+            </a:r>
+            <a:r>
+              <a:rPr lang="en-US" baseline="0" dirty="0" err="1"/>
+              <a:t>che</a:t>
+            </a:r>
+            <a:r>
+              <a:rPr lang="en-US" baseline="0" dirty="0"/>
+              <a:t> </a:t>
+            </a:r>
+            <a:r>
+              <a:rPr lang="en-US" baseline="0" dirty="0" err="1"/>
+              <a:t>il</a:t>
+            </a:r>
+            <a:r>
+              <a:rPr lang="en-US" baseline="0" dirty="0"/>
+              <a:t> DBMS prima fa </a:t>
+            </a:r>
+            <a:r>
+              <a:rPr lang="en-US" baseline="0" dirty="0" err="1"/>
+              <a:t>il</a:t>
+            </a:r>
+            <a:r>
+              <a:rPr lang="en-US" baseline="0" dirty="0"/>
+              <a:t> join, poi </a:t>
+            </a:r>
+            <a:r>
+              <a:rPr lang="en-US" baseline="0" dirty="0" err="1"/>
+              <a:t>il</a:t>
+            </a:r>
+            <a:r>
+              <a:rPr lang="en-US" baseline="0" dirty="0"/>
+              <a:t> </a:t>
+            </a:r>
+            <a:r>
+              <a:rPr lang="en-US" baseline="0" dirty="0" err="1"/>
+              <a:t>filtro</a:t>
+            </a:r>
+            <a:r>
+              <a:rPr lang="en-US" baseline="0" dirty="0"/>
+              <a:t>. </a:t>
+            </a:r>
+            <a:endParaRPr lang="en-US" dirty="0"/>
+          </a:p>
+          <a:p>
+            <a:endParaRPr lang="en-US" dirty="0"/>
+          </a:p>
+        </p:txBody>
+      </p:sp>
+      <p:sp>
+        <p:nvSpPr>
+          <p:cNvPr id="4" name="Segnaposto numero diapositiva 3"/>
+          <p:cNvSpPr>
+            <a:spLocks noGrp="1"/>
+          </p:cNvSpPr>
+          <p:nvPr>
+            <p:ph type="sldNum" sz="quarter" idx="10"/>
+          </p:nvPr>
+        </p:nvSpPr>
+        <p:spPr/>
+        <p:txBody>
+          <a:bodyPr/>
+          <a:lstStyle/>
+          <a:p>
+            <a:fld id="{B38CEA09-33FA-4F6C-9D30-5FB0AA0E11C3}" type="slidenum">
+              <a:rPr lang="it-IT" smtClean="0"/>
               <a:t>47</a:t>
             </a:fld>
             <a:endParaRPr lang="it-IT" dirty="0"/>
@@ -1064,7 +1448,185 @@
 </p:notes>
 </file>
 
-<file path=ppt/notesSlides/notesSlide13.xml><?xml version="1.0" encoding="utf-8"?>
+<file path=ppt/notesSlides/notesSlide16.xml><?xml version="1.0" encoding="utf-8"?>
+<p:notes xmlns:a="http://schemas.openxmlformats.org/drawingml/2006/main" xmlns:r="http://schemas.openxmlformats.org/officeDocument/2006/relationships" xmlns:p="http://schemas.openxmlformats.org/presentationml/2006/main">
+  <p:cSld>
+    <p:spTree>
+      <p:nvGrpSpPr>
+        <p:cNvPr id="1" name=""/>
+        <p:cNvGrpSpPr/>
+        <p:nvPr/>
+      </p:nvGrpSpPr>
+      <p:grpSpPr>
+        <a:xfrm>
+          <a:off x="0" y="0"/>
+          <a:ext cx="0" cy="0"/>
+          <a:chOff x="0" y="0"/>
+          <a:chExt cx="0" cy="0"/>
+        </a:xfrm>
+      </p:grpSpPr>
+      <p:sp>
+        <p:nvSpPr>
+          <p:cNvPr id="2" name="Segnaposto immagine diapositiva 1"/>
+          <p:cNvSpPr>
+            <a:spLocks noGrp="1" noRot="1" noChangeAspect="1"/>
+          </p:cNvSpPr>
+          <p:nvPr>
+            <p:ph type="sldImg"/>
+          </p:nvPr>
+        </p:nvSpPr>
+        <p:spPr/>
+      </p:sp>
+      <p:sp>
+        <p:nvSpPr>
+          <p:cNvPr id="3" name="Segnaposto note 2"/>
+          <p:cNvSpPr>
+            <a:spLocks noGrp="1"/>
+          </p:cNvSpPr>
+          <p:nvPr>
+            <p:ph type="body" idx="1"/>
+          </p:nvPr>
+        </p:nvSpPr>
+        <p:spPr/>
+        <p:txBody>
+          <a:bodyPr/>
+          <a:lstStyle/>
+          <a:p>
+            <a:r>
+              <a:rPr lang="it-IT" dirty="0"/>
+              <a:t>Video id non è in chiave per non </a:t>
+            </a:r>
+            <a:r>
+              <a:rPr lang="it-IT"/>
+              <a:t>essere ridondanti</a:t>
+            </a:r>
+          </a:p>
+        </p:txBody>
+      </p:sp>
+      <p:sp>
+        <p:nvSpPr>
+          <p:cNvPr id="4" name="Segnaposto numero diapositiva 3"/>
+          <p:cNvSpPr>
+            <a:spLocks noGrp="1"/>
+          </p:cNvSpPr>
+          <p:nvPr>
+            <p:ph type="sldNum" sz="quarter" idx="5"/>
+          </p:nvPr>
+        </p:nvSpPr>
+        <p:spPr/>
+        <p:txBody>
+          <a:bodyPr/>
+          <a:lstStyle/>
+          <a:p>
+            <a:fld id="{B38CEA09-33FA-4F6C-9D30-5FB0AA0E11C3}" type="slidenum">
+              <a:rPr lang="it-IT" smtClean="0"/>
+              <a:t>49</a:t>
+            </a:fld>
+            <a:endParaRPr lang="it-IT" dirty="0"/>
+          </a:p>
+        </p:txBody>
+      </p:sp>
+    </p:spTree>
+    <p:extLst>
+      <p:ext uri="{BB962C8B-B14F-4D97-AF65-F5344CB8AC3E}">
+        <p14:creationId xmlns:p14="http://schemas.microsoft.com/office/powerpoint/2010/main" val="1518959614"/>
+      </p:ext>
+    </p:extLst>
+  </p:cSld>
+  <p:clrMapOvr>
+    <a:masterClrMapping/>
+  </p:clrMapOvr>
+</p:notes>
+</file>
+
+<file path=ppt/notesSlides/notesSlide17.xml><?xml version="1.0" encoding="utf-8"?>
+<p:notes xmlns:a="http://schemas.openxmlformats.org/drawingml/2006/main" xmlns:r="http://schemas.openxmlformats.org/officeDocument/2006/relationships" xmlns:p="http://schemas.openxmlformats.org/presentationml/2006/main">
+  <p:cSld>
+    <p:spTree>
+      <p:nvGrpSpPr>
+        <p:cNvPr id="1" name=""/>
+        <p:cNvGrpSpPr/>
+        <p:nvPr/>
+      </p:nvGrpSpPr>
+      <p:grpSpPr>
+        <a:xfrm>
+          <a:off x="0" y="0"/>
+          <a:ext cx="0" cy="0"/>
+          <a:chOff x="0" y="0"/>
+          <a:chExt cx="0" cy="0"/>
+        </a:xfrm>
+      </p:grpSpPr>
+      <p:sp>
+        <p:nvSpPr>
+          <p:cNvPr id="2" name="Segnaposto immagine diapositiva 1"/>
+          <p:cNvSpPr>
+            <a:spLocks noGrp="1" noRot="1" noChangeAspect="1"/>
+          </p:cNvSpPr>
+          <p:nvPr>
+            <p:ph type="sldImg"/>
+          </p:nvPr>
+        </p:nvSpPr>
+        <p:spPr/>
+      </p:sp>
+      <p:sp>
+        <p:nvSpPr>
+          <p:cNvPr id="3" name="Segnaposto note 2"/>
+          <p:cNvSpPr>
+            <a:spLocks noGrp="1"/>
+          </p:cNvSpPr>
+          <p:nvPr>
+            <p:ph type="body" idx="1"/>
+          </p:nvPr>
+        </p:nvSpPr>
+        <p:spPr/>
+        <p:txBody>
+          <a:bodyPr/>
+          <a:lstStyle/>
+          <a:p>
+            <a:r>
+              <a:rPr lang="it-IT" dirty="0"/>
+              <a:t>Un attore può avere più ruoli, per quello in chiave di clustering</a:t>
+            </a:r>
+          </a:p>
+        </p:txBody>
+      </p:sp>
+      <p:sp>
+        <p:nvSpPr>
+          <p:cNvPr id="4" name="Segnaposto numero diapositiva 3"/>
+          <p:cNvSpPr>
+            <a:spLocks noGrp="1"/>
+          </p:cNvSpPr>
+          <p:nvPr>
+            <p:ph type="sldNum" sz="quarter" idx="5"/>
+          </p:nvPr>
+        </p:nvSpPr>
+        <p:spPr/>
+        <p:txBody>
+          <a:bodyPr/>
+          <a:lstStyle/>
+          <a:p>
+            <a:fld id="{B38CEA09-33FA-4F6C-9D30-5FB0AA0E11C3}" type="slidenum">
+              <a:rPr lang="it-IT" smtClean="0"/>
+              <a:t>53</a:t>
+            </a:fld>
+            <a:endParaRPr lang="it-IT" dirty="0"/>
+          </a:p>
+        </p:txBody>
+      </p:sp>
+    </p:spTree>
+    <p:extLst>
+      <p:ext uri="{BB962C8B-B14F-4D97-AF65-F5344CB8AC3E}">
+        <p14:creationId xmlns:p14="http://schemas.microsoft.com/office/powerpoint/2010/main" val="1597129680"/>
+      </p:ext>
+    </p:extLst>
+  </p:cSld>
+  <p:clrMapOvr>
+    <a:masterClrMapping/>
+  </p:clrMapOvr>
+</p:notes>
+</file>
+
+<file path=ppt/notesSlides/notesSlide18.xml><?xml version="1.0" encoding="utf-8"?>
 <p:notes xmlns:a="http://schemas.openxmlformats.org/drawingml/2006/main" xmlns:r="http://schemas.openxmlformats.org/officeDocument/2006/relationships" xmlns:p="http://schemas.openxmlformats.org/presentationml/2006/main">
   <p:cSld>
     <p:spTree>
@@ -1711,15 +2273,7 @@
           <a:p>
             <a:r>
               <a:rPr lang="it-IT" dirty="0"/>
-              <a:t>Punto di partenza: ho un file </a:t>
-            </a:r>
-            <a:r>
-              <a:rPr lang="it-IT" dirty="0" err="1"/>
-              <a:t>csv</a:t>
-            </a:r>
-            <a:r>
-              <a:rPr lang="it-IT" dirty="0"/>
-              <a:t> con </a:t>
+              <a:t>Non mettere le parentesi fa si che non fanno parte entrambi di colonna di partizionamento</a:t>
             </a:r>
           </a:p>
         </p:txBody>
@@ -1731,7 +2285,7 @@
             <a:spLocks noGrp="1"/>
           </p:cNvSpPr>
           <p:nvPr>
-            <p:ph type="sldNum" sz="quarter" idx="10"/>
+            <p:ph type="sldNum" sz="quarter" idx="5"/>
           </p:nvPr>
         </p:nvSpPr>
         <p:spPr/>
@@ -1741,7 +2295,7 @@
           <a:p>
             <a:fld id="{B38CEA09-33FA-4F6C-9D30-5FB0AA0E11C3}" type="slidenum">
               <a:rPr lang="it-IT" smtClean="0"/>
-              <a:t>27</a:t>
+              <a:t>17</a:t>
             </a:fld>
             <a:endParaRPr lang="it-IT" dirty="0"/>
           </a:p>
@@ -1750,7 +2304,7 @@
     </p:spTree>
     <p:extLst>
       <p:ext uri="{BB962C8B-B14F-4D97-AF65-F5344CB8AC3E}">
-        <p14:creationId xmlns:p14="http://schemas.microsoft.com/office/powerpoint/2010/main" val="3749314019"/>
+        <p14:creationId xmlns:p14="http://schemas.microsoft.com/office/powerpoint/2010/main" val="3835903786"/>
       </p:ext>
     </p:extLst>
   </p:cSld>
@@ -1806,15 +2360,7 @@
           <a:p>
             <a:r>
               <a:rPr lang="it-IT" dirty="0"/>
-              <a:t>Punto di partenza: ho un file </a:t>
-            </a:r>
-            <a:r>
-              <a:rPr lang="it-IT" dirty="0" err="1"/>
-              <a:t>csv</a:t>
-            </a:r>
-            <a:r>
-              <a:rPr lang="it-IT" dirty="0"/>
-              <a:t> con </a:t>
+              <a:t>Di default ordine ASC</a:t>
             </a:r>
           </a:p>
         </p:txBody>
@@ -1826,7 +2372,7 @@
             <a:spLocks noGrp="1"/>
           </p:cNvSpPr>
           <p:nvPr>
-            <p:ph type="sldNum" sz="quarter" idx="10"/>
+            <p:ph type="sldNum" sz="quarter" idx="5"/>
           </p:nvPr>
         </p:nvSpPr>
         <p:spPr/>
@@ -1836,7 +2382,7 @@
           <a:p>
             <a:fld id="{B38CEA09-33FA-4F6C-9D30-5FB0AA0E11C3}" type="slidenum">
               <a:rPr lang="it-IT" smtClean="0"/>
-              <a:t>28</a:t>
+              <a:t>24</a:t>
             </a:fld>
             <a:endParaRPr lang="it-IT" dirty="0"/>
           </a:p>
@@ -1845,7 +2391,7 @@
     </p:spTree>
     <p:extLst>
       <p:ext uri="{BB962C8B-B14F-4D97-AF65-F5344CB8AC3E}">
-        <p14:creationId xmlns:p14="http://schemas.microsoft.com/office/powerpoint/2010/main" val="1763239004"/>
+        <p14:creationId xmlns:p14="http://schemas.microsoft.com/office/powerpoint/2010/main" val="1735177409"/>
       </p:ext>
     </p:extLst>
   </p:cSld>
@@ -1900,42 +2446,17 @@
           <a:lstStyle/>
           <a:p>
             <a:r>
-              <a:rPr lang="en-US" dirty="0"/>
-              <a:t>DESCRIBE TABLE</a:t>
-            </a:r>
-            <a:r>
-              <a:rPr lang="en-US" baseline="0" dirty="0"/>
-              <a:t> -&gt; </a:t>
-            </a:r>
-            <a:r>
-              <a:rPr lang="en-US" baseline="0" dirty="0" err="1"/>
-              <a:t>notare</a:t>
-            </a:r>
-            <a:r>
-              <a:rPr lang="en-US" baseline="0" dirty="0"/>
-              <a:t> </a:t>
-            </a:r>
-            <a:r>
-              <a:rPr lang="en-US" baseline="0" dirty="0" err="1"/>
-              <a:t>l'ordine</a:t>
-            </a:r>
-            <a:r>
-              <a:rPr lang="en-US" baseline="0" dirty="0"/>
-              <a:t> </a:t>
-            </a:r>
-            <a:r>
-              <a:rPr lang="en-US" baseline="0" dirty="0" err="1"/>
-              <a:t>delle</a:t>
-            </a:r>
-            <a:r>
-              <a:rPr lang="en-US" baseline="0" dirty="0"/>
-              <a:t> </a:t>
-            </a:r>
-            <a:r>
-              <a:rPr lang="en-US" baseline="0" dirty="0" err="1"/>
-              <a:t>colonne</a:t>
-            </a:r>
-            <a:endParaRPr lang="en-US" dirty="0"/>
+              <a:rPr lang="it-IT" dirty="0"/>
+              <a:t>Punto di partenza: ho un file </a:t>
+            </a:r>
+            <a:r>
+              <a:rPr lang="it-IT" dirty="0" err="1"/>
+              <a:t>csv</a:t>
+            </a:r>
+            <a:r>
+              <a:rPr lang="it-IT" dirty="0"/>
+              <a:t> con </a:t>
+            </a:r>
           </a:p>
         </p:txBody>
       </p:sp>
@@ -1956,7 +2477,7 @@
           <a:p>
             <a:fld id="{B38CEA09-33FA-4F6C-9D30-5FB0AA0E11C3}" type="slidenum">
               <a:rPr lang="it-IT" smtClean="0"/>
-              <a:t>29</a:t>
+              <a:t>27</a:t>
             </a:fld>
             <a:endParaRPr lang="it-IT" dirty="0"/>
           </a:p>
@@ -1965,7 +2486,7 @@
     </p:spTree>
     <p:extLst>
       <p:ext uri="{BB962C8B-B14F-4D97-AF65-F5344CB8AC3E}">
-        <p14:creationId xmlns:p14="http://schemas.microsoft.com/office/powerpoint/2010/main" val="2128317767"/>
+        <p14:creationId xmlns:p14="http://schemas.microsoft.com/office/powerpoint/2010/main" val="3749314019"/>
       </p:ext>
     </p:extLst>
   </p:cSld>
@@ -2201,7 +2722,7 @@
           <a:p>
             <a:fld id="{65061730-2F0F-4B55-83F4-33856D80FFD7}" type="datetime1">
               <a:rPr lang="en-US" smtClean="0"/>
-              <a:t>2/9/2022</a:t>
+              <a:t>2/15/2023</a:t>
             </a:fld>
             <a:endParaRPr lang="en-US" dirty="0"/>
           </a:p>
@@ -2409,7 +2930,7 @@
           <a:p>
             <a:fld id="{BE1035D6-F845-4530-B289-DD4EC9CAE501}" type="datetime1">
               <a:rPr lang="en-US" smtClean="0"/>
-              <a:t>2/9/2022</a:t>
+              <a:t>2/15/2023</a:t>
             </a:fld>
             <a:endParaRPr lang="en-US" dirty="0"/>
           </a:p>
@@ -2665,7 +3186,7 @@
           <a:p>
             <a:fld id="{EDD3DE46-844C-40F1-AAA7-78AD6518D44C}" type="datetime1">
               <a:rPr lang="en-US" smtClean="0"/>
-              <a:t>2/9/2022</a:t>
+              <a:t>2/15/2023</a:t>
             </a:fld>
             <a:endParaRPr lang="en-US" dirty="0"/>
           </a:p>
@@ -2837,7 +3358,7 @@
           <a:p>
             <a:fld id="{1FCF7768-7A83-43C9-9C3D-95CD5F68D7E2}" type="datetime1">
               <a:rPr lang="en-US" smtClean="0"/>
-              <a:t>2/9/2022</a:t>
+              <a:t>2/15/2023</a:t>
             </a:fld>
             <a:endParaRPr lang="en-US" dirty="0"/>
           </a:p>
@@ -3180,7 +3701,7 @@
           <a:p>
             <a:fld id="{58DD30C4-1715-4BC2-976F-EF7BA4DC70B4}" type="datetime1">
               <a:rPr lang="en-US" smtClean="0"/>
-              <a:t>2/9/2022</a:t>
+              <a:t>2/15/2023</a:t>
             </a:fld>
             <a:endParaRPr lang="en-US" dirty="0"/>
           </a:p>
@@ -3455,7 +3976,7 @@
           <a:p>
             <a:fld id="{E92CF10C-564E-48D4-BE3A-05BB93A7F107}" type="datetime1">
               <a:rPr lang="en-US" smtClean="0"/>
-              <a:t>2/9/2022</a:t>
+              <a:t>2/15/2023</a:t>
             </a:fld>
             <a:endParaRPr lang="en-US" dirty="0"/>
           </a:p>
@@ -3834,7 +4355,7 @@
           <a:p>
             <a:fld id="{CEF5B9DB-33AD-46E7-ADFD-C52815BFEA09}" type="datetime1">
               <a:rPr lang="en-US" smtClean="0"/>
-              <a:t>2/9/2022</a:t>
+              <a:t>2/15/2023</a:t>
             </a:fld>
             <a:endParaRPr lang="en-US" dirty="0"/>
           </a:p>
@@ -3952,7 +4473,7 @@
           <a:p>
             <a:fld id="{EFC02824-932F-46A1-8D0D-D52979BEE663}" type="datetime1">
               <a:rPr lang="en-US" smtClean="0"/>
-              <a:t>2/9/2022</a:t>
+              <a:t>2/15/2023</a:t>
             </a:fld>
             <a:endParaRPr lang="en-US" dirty="0"/>
           </a:p>
@@ -4123,7 +4644,7 @@
           <a:p>
             <a:fld id="{36233CB2-1968-4F08-9AB4-83693145DE18}" type="datetime1">
               <a:rPr lang="en-US" smtClean="0"/>
-              <a:t>2/9/2022</a:t>
+              <a:t>2/15/2023</a:t>
             </a:fld>
             <a:endParaRPr lang="en-US" dirty="0"/>
           </a:p>
@@ -4478,7 +4999,7 @@
           <a:p>
             <a:fld id="{F8F6D7E5-1322-4764-A2E4-7B71FFFDE726}" type="datetime1">
               <a:rPr lang="en-US" smtClean="0"/>
-              <a:t>2/9/2022</a:t>
+              <a:t>2/15/2023</a:t>
             </a:fld>
             <a:endParaRPr lang="en-US" dirty="0"/>
           </a:p>
@@ -4856,7 +5377,7 @@
           <a:p>
             <a:fld id="{E26D0A1A-929F-4DC6-9A8A-74A15252C912}" type="datetime1">
               <a:rPr lang="en-US" smtClean="0"/>
-              <a:t>2/9/2022</a:t>
+              <a:t>2/15/2023</a:t>
             </a:fld>
             <a:endParaRPr lang="en-US" dirty="0"/>
           </a:p>
@@ -5143,7 +5664,7 @@
           <a:p>
             <a:fld id="{EDD3DE46-844C-40F1-AAA7-78AD6518D44C}" type="datetime1">
               <a:rPr lang="en-US" smtClean="0"/>
-              <a:t>2/9/2022</a:t>
+              <a:t>2/15/2023</a:t>
             </a:fld>
             <a:endParaRPr lang="en-US" dirty="0"/>
           </a:p>
@@ -14151,7 +14672,7 @@
           <p:nvPr/>
         </p:nvPicPr>
         <p:blipFill>
-          <a:blip r:embed="rId2"/>
+          <a:blip r:embed="rId3"/>
           <a:stretch>
             <a:fillRect/>
           </a:stretch>
@@ -27305,7 +27826,7 @@
           <p:nvPr/>
         </p:nvPicPr>
         <p:blipFill>
-          <a:blip r:embed="rId2"/>
+          <a:blip r:embed="rId3"/>
           <a:stretch>
             <a:fillRect/>
           </a:stretch>

--- a/slides/02 - E2 - Cassandra Intro.pptx
+++ b/slides/02 - E2 - Cassandra Intro.pptx
@@ -268,7 +268,7 @@
           <a:p>
             <a:fld id="{8C81D565-392B-4AB9-9647-420EF17AA3FC}" type="datetimeFigureOut">
               <a:rPr lang="it-IT" smtClean="0"/>
-              <a:t>15/02/2023</a:t>
+              <a:t>16/02/2023</a:t>
             </a:fld>
             <a:endParaRPr lang="it-IT" dirty="0"/>
           </a:p>
@@ -2722,7 +2722,7 @@
           <a:p>
             <a:fld id="{65061730-2F0F-4B55-83F4-33856D80FFD7}" type="datetime1">
               <a:rPr lang="en-US" smtClean="0"/>
-              <a:t>2/15/2023</a:t>
+              <a:t>2/16/2023</a:t>
             </a:fld>
             <a:endParaRPr lang="en-US" dirty="0"/>
           </a:p>
@@ -2930,7 +2930,7 @@
           <a:p>
             <a:fld id="{BE1035D6-F845-4530-B289-DD4EC9CAE501}" type="datetime1">
               <a:rPr lang="en-US" smtClean="0"/>
-              <a:t>2/15/2023</a:t>
+              <a:t>2/16/2023</a:t>
             </a:fld>
             <a:endParaRPr lang="en-US" dirty="0"/>
           </a:p>
@@ -3186,7 +3186,7 @@
           <a:p>
             <a:fld id="{EDD3DE46-844C-40F1-AAA7-78AD6518D44C}" type="datetime1">
               <a:rPr lang="en-US" smtClean="0"/>
-              <a:t>2/15/2023</a:t>
+              <a:t>2/16/2023</a:t>
             </a:fld>
             <a:endParaRPr lang="en-US" dirty="0"/>
           </a:p>
@@ -3358,7 +3358,7 @@
           <a:p>
             <a:fld id="{1FCF7768-7A83-43C9-9C3D-95CD5F68D7E2}" type="datetime1">
               <a:rPr lang="en-US" smtClean="0"/>
-              <a:t>2/15/2023</a:t>
+              <a:t>2/16/2023</a:t>
             </a:fld>
             <a:endParaRPr lang="en-US" dirty="0"/>
           </a:p>
@@ -3701,7 +3701,7 @@
           <a:p>
             <a:fld id="{58DD30C4-1715-4BC2-976F-EF7BA4DC70B4}" type="datetime1">
               <a:rPr lang="en-US" smtClean="0"/>
-              <a:t>2/15/2023</a:t>
+              <a:t>2/16/2023</a:t>
             </a:fld>
             <a:endParaRPr lang="en-US" dirty="0"/>
           </a:p>
@@ -3976,7 +3976,7 @@
           <a:p>
             <a:fld id="{E92CF10C-564E-48D4-BE3A-05BB93A7F107}" type="datetime1">
               <a:rPr lang="en-US" smtClean="0"/>
-              <a:t>2/15/2023</a:t>
+              <a:t>2/16/2023</a:t>
             </a:fld>
             <a:endParaRPr lang="en-US" dirty="0"/>
           </a:p>
@@ -4355,7 +4355,7 @@
           <a:p>
             <a:fld id="{CEF5B9DB-33AD-46E7-ADFD-C52815BFEA09}" type="datetime1">
               <a:rPr lang="en-US" smtClean="0"/>
-              <a:t>2/15/2023</a:t>
+              <a:t>2/16/2023</a:t>
             </a:fld>
             <a:endParaRPr lang="en-US" dirty="0"/>
           </a:p>
@@ -4473,7 +4473,7 @@
           <a:p>
             <a:fld id="{EFC02824-932F-46A1-8D0D-D52979BEE663}" type="datetime1">
               <a:rPr lang="en-US" smtClean="0"/>
-              <a:t>2/15/2023</a:t>
+              <a:t>2/16/2023</a:t>
             </a:fld>
             <a:endParaRPr lang="en-US" dirty="0"/>
           </a:p>
@@ -4644,7 +4644,7 @@
           <a:p>
             <a:fld id="{36233CB2-1968-4F08-9AB4-83693145DE18}" type="datetime1">
               <a:rPr lang="en-US" smtClean="0"/>
-              <a:t>2/15/2023</a:t>
+              <a:t>2/16/2023</a:t>
             </a:fld>
             <a:endParaRPr lang="en-US" dirty="0"/>
           </a:p>
@@ -4999,7 +4999,7 @@
           <a:p>
             <a:fld id="{F8F6D7E5-1322-4764-A2E4-7B71FFFDE726}" type="datetime1">
               <a:rPr lang="en-US" smtClean="0"/>
-              <a:t>2/15/2023</a:t>
+              <a:t>2/16/2023</a:t>
             </a:fld>
             <a:endParaRPr lang="en-US" dirty="0"/>
           </a:p>
@@ -5377,7 +5377,7 @@
           <a:p>
             <a:fld id="{E26D0A1A-929F-4DC6-9A8A-74A15252C912}" type="datetime1">
               <a:rPr lang="en-US" smtClean="0"/>
-              <a:t>2/15/2023</a:t>
+              <a:t>2/16/2023</a:t>
             </a:fld>
             <a:endParaRPr lang="en-US" dirty="0"/>
           </a:p>
@@ -5664,7 +5664,7 @@
           <a:p>
             <a:fld id="{EDD3DE46-844C-40F1-AAA7-78AD6518D44C}" type="datetime1">
               <a:rPr lang="en-US" smtClean="0"/>
-              <a:t>2/15/2023</a:t>
+              <a:t>2/16/2023</a:t>
             </a:fld>
             <a:endParaRPr lang="en-US" dirty="0"/>
           </a:p>
@@ -12163,8 +12163,8 @@
         </p:nvSpPr>
         <p:spPr>
           <a:xfrm>
-            <a:off x="5195601" y="2096135"/>
-            <a:ext cx="3318537" cy="2277547"/>
+            <a:off x="5195602" y="2096135"/>
+            <a:ext cx="3541170" cy="3754874"/>
           </a:xfrm>
           <a:prstGeom prst="rect">
             <a:avLst/>
@@ -12172,7 +12172,7 @@
           <a:noFill/>
         </p:spPr>
         <p:txBody>
-          <a:bodyPr wrap="none" rtlCol="0">
+          <a:bodyPr wrap="square" rtlCol="0">
             <a:spAutoFit/>
           </a:bodyPr>
           <a:lstStyle/>
@@ -12307,6 +12307,189 @@
                 <a:latin typeface="Courier New" panose="02070309020205020404" pitchFamily="49" charset="0"/>
               </a:rPr>
               <a:t>2015</a:t>
+            </a:r>
+            <a:r>
+              <a:rPr lang="en-US" sz="1400" dirty="0">
+                <a:solidFill>
+                  <a:srgbClr val="374C51"/>
+                </a:solidFill>
+                <a:latin typeface="Courier New" panose="02070309020205020404" pitchFamily="49" charset="0"/>
+              </a:rPr>
+              <a:t>; </a:t>
+            </a:r>
+          </a:p>
+          <a:p>
+            <a:endParaRPr lang="en-US" sz="1400" b="1" u="sng" dirty="0">
+              <a:solidFill>
+                <a:srgbClr val="374C51"/>
+              </a:solidFill>
+              <a:latin typeface="Courier New" panose="02070309020205020404" pitchFamily="49" charset="0"/>
+            </a:endParaRPr>
+          </a:p>
+          <a:p>
+            <a:r>
+              <a:rPr lang="en-US" sz="1400" b="1" u="sng" dirty="0" err="1">
+                <a:solidFill>
+                  <a:srgbClr val="374C51"/>
+                </a:solidFill>
+                <a:latin typeface="Courier New" panose="02070309020205020404" pitchFamily="49" charset="0"/>
+              </a:rPr>
+              <a:t>Queste</a:t>
+            </a:r>
+            <a:r>
+              <a:rPr lang="en-US" sz="1400" b="1" u="sng" dirty="0">
+                <a:solidFill>
+                  <a:srgbClr val="374C51"/>
+                </a:solidFill>
+                <a:latin typeface="Courier New" panose="02070309020205020404" pitchFamily="49" charset="0"/>
+              </a:rPr>
+              <a:t> non </a:t>
+            </a:r>
+            <a:r>
+              <a:rPr lang="en-US" sz="1400" b="1" u="sng" dirty="0" err="1">
+                <a:solidFill>
+                  <a:srgbClr val="374C51"/>
+                </a:solidFill>
+                <a:latin typeface="Courier New" panose="02070309020205020404" pitchFamily="49" charset="0"/>
+              </a:rPr>
+              <a:t>vanno</a:t>
+            </a:r>
+            <a:r>
+              <a:rPr lang="en-US" sz="1400" b="1" u="sng" dirty="0">
+                <a:solidFill>
+                  <a:srgbClr val="374C51"/>
+                </a:solidFill>
+                <a:latin typeface="Courier New" panose="02070309020205020404" pitchFamily="49" charset="0"/>
+              </a:rPr>
+              <a:t> e </a:t>
+            </a:r>
+            <a:r>
+              <a:rPr lang="en-US" sz="1400" b="1" u="sng" dirty="0" err="1">
+                <a:solidFill>
+                  <a:srgbClr val="374C51"/>
+                </a:solidFill>
+                <a:latin typeface="Courier New" panose="02070309020205020404" pitchFamily="49" charset="0"/>
+              </a:rPr>
+              <a:t>scopriremo</a:t>
+            </a:r>
+            <a:r>
+              <a:rPr lang="en-US" sz="1400" b="1" u="sng" dirty="0">
+                <a:solidFill>
+                  <a:srgbClr val="374C51"/>
+                </a:solidFill>
+                <a:latin typeface="Courier New" panose="02070309020205020404" pitchFamily="49" charset="0"/>
+              </a:rPr>
+              <a:t> </a:t>
+            </a:r>
+            <a:r>
+              <a:rPr lang="en-US" sz="1400" b="1" u="sng" dirty="0" err="1">
+                <a:solidFill>
+                  <a:srgbClr val="374C51"/>
+                </a:solidFill>
+                <a:latin typeface="Courier New" panose="02070309020205020404" pitchFamily="49" charset="0"/>
+              </a:rPr>
+              <a:t>perchè</a:t>
+            </a:r>
+            <a:endParaRPr lang="en-US" sz="1400" b="1" u="sng" dirty="0">
+              <a:solidFill>
+                <a:srgbClr val="374C51"/>
+              </a:solidFill>
+              <a:latin typeface="Courier New" panose="02070309020205020404" pitchFamily="49" charset="0"/>
+            </a:endParaRPr>
+          </a:p>
+          <a:p>
+            <a:endParaRPr lang="en-US" sz="1400" b="1" dirty="0">
+              <a:solidFill>
+                <a:srgbClr val="374C51"/>
+              </a:solidFill>
+              <a:latin typeface="Courier New" panose="02070309020205020404" pitchFamily="49" charset="0"/>
+            </a:endParaRPr>
+          </a:p>
+          <a:p>
+            <a:r>
+              <a:rPr lang="en-US" sz="1400" b="1" dirty="0">
+                <a:solidFill>
+                  <a:srgbClr val="445588"/>
+                </a:solidFill>
+                <a:latin typeface="Courier New" panose="02070309020205020404" pitchFamily="49" charset="0"/>
+              </a:rPr>
+              <a:t>SELECT</a:t>
+            </a:r>
+            <a:r>
+              <a:rPr lang="en-US" sz="1400" dirty="0">
+                <a:solidFill>
+                  <a:srgbClr val="374C51"/>
+                </a:solidFill>
+                <a:latin typeface="Courier New" panose="02070309020205020404" pitchFamily="49" charset="0"/>
+              </a:rPr>
+              <a:t> * </a:t>
+            </a:r>
+          </a:p>
+          <a:p>
+            <a:r>
+              <a:rPr lang="en-US" sz="1400" b="1" dirty="0">
+                <a:solidFill>
+                  <a:srgbClr val="000000"/>
+                </a:solidFill>
+                <a:latin typeface="Courier New" panose="02070309020205020404" pitchFamily="49" charset="0"/>
+              </a:rPr>
+              <a:t>FROM</a:t>
+            </a:r>
+            <a:r>
+              <a:rPr lang="en-US" sz="1400" dirty="0">
+                <a:solidFill>
+                  <a:srgbClr val="374C51"/>
+                </a:solidFill>
+                <a:latin typeface="Courier New" panose="02070309020205020404" pitchFamily="49" charset="0"/>
+              </a:rPr>
+              <a:t> </a:t>
+            </a:r>
+            <a:r>
+              <a:rPr lang="en-US" sz="1400" dirty="0" err="1">
+                <a:solidFill>
+                  <a:srgbClr val="374C51"/>
+                </a:solidFill>
+                <a:latin typeface="Courier New" panose="02070309020205020404" pitchFamily="49" charset="0"/>
+              </a:rPr>
+              <a:t>videos_by_title_year</a:t>
+            </a:r>
+            <a:r>
+              <a:rPr lang="en-US" sz="1400" dirty="0">
+                <a:solidFill>
+                  <a:srgbClr val="374C51"/>
+                </a:solidFill>
+                <a:latin typeface="Courier New" panose="02070309020205020404" pitchFamily="49" charset="0"/>
+              </a:rPr>
+              <a:t> </a:t>
+            </a:r>
+          </a:p>
+          <a:p>
+            <a:r>
+              <a:rPr lang="en-US" sz="1400" b="1" dirty="0">
+                <a:solidFill>
+                  <a:srgbClr val="000000"/>
+                </a:solidFill>
+                <a:latin typeface="Courier New" panose="02070309020205020404" pitchFamily="49" charset="0"/>
+              </a:rPr>
+              <a:t>WHERE</a:t>
+            </a:r>
+            <a:r>
+              <a:rPr lang="en-US" sz="1400" dirty="0">
+                <a:solidFill>
+                  <a:srgbClr val="374C51"/>
+                </a:solidFill>
+                <a:latin typeface="Courier New" panose="02070309020205020404" pitchFamily="49" charset="0"/>
+              </a:rPr>
+              <a:t> title = </a:t>
+            </a:r>
+            <a:r>
+              <a:rPr lang="en-US" sz="1400" dirty="0">
+                <a:solidFill>
+                  <a:srgbClr val="DD1144"/>
+                </a:solidFill>
+                <a:latin typeface="inherit"/>
+              </a:rPr>
+              <a:t>'Sleepy Grumpy Cat'</a:t>
             </a:r>
             <a:r>
               <a:rPr lang="en-US" sz="1400" dirty="0">
@@ -19394,7 +19577,7 @@
         <p:spPr>
           <a:xfrm>
             <a:off x="822960" y="1985306"/>
-            <a:ext cx="4756174" cy="3323987"/>
+            <a:ext cx="4530471" cy="3323987"/>
           </a:xfrm>
           <a:prstGeom prst="rect">
             <a:avLst/>
@@ -19899,13 +20082,13 @@
               <a:t>2015</a:t>
             </a:r>
             <a:r>
-              <a:rPr lang="en-US" sz="1400" dirty="0">
-                <a:solidFill>
-                  <a:srgbClr val="374C51"/>
-                </a:solidFill>
-                <a:latin typeface="Courier New" panose="02070309020205020404" pitchFamily="49" charset="0"/>
-              </a:rPr>
-              <a:t>;</a:t>
+              <a:rPr lang="en-US" sz="1400" b="1" dirty="0">
+                <a:solidFill>
+                  <a:srgbClr val="000000"/>
+                </a:solidFill>
+                <a:latin typeface="Courier New" panose="02070309020205020404" pitchFamily="49" charset="0"/>
+              </a:rPr>
+              <a:t> ALLOW FILTERING;</a:t>
             </a:r>
           </a:p>
           <a:p>
@@ -22423,7 +22606,7 @@
         </p:nvSpPr>
         <p:spPr>
           <a:xfrm>
-            <a:off x="822959" y="3857414"/>
+            <a:off x="822959" y="3954950"/>
             <a:ext cx="3887603" cy="2308324"/>
           </a:xfrm>
           <a:prstGeom prst="rect">
@@ -25755,7 +25938,7 @@
         </p:nvSpPr>
         <p:spPr>
           <a:xfrm>
-            <a:off x="822960" y="1887554"/>
+            <a:off x="822960" y="1924130"/>
             <a:ext cx="5769528" cy="3970318"/>
           </a:xfrm>
           <a:prstGeom prst="rect">

--- a/slides/02 - E2 - Cassandra Intro.pptx
+++ b/slides/02 - E2 - Cassandra Intro.pptx
@@ -268,7 +268,7 @@
           <a:p>
             <a:fld id="{8C81D565-392B-4AB9-9647-420EF17AA3FC}" type="datetimeFigureOut">
               <a:rPr lang="it-IT" smtClean="0"/>
-              <a:t>16/02/2023</a:t>
+              <a:t>17/02/2023</a:t>
             </a:fld>
             <a:endParaRPr lang="it-IT" dirty="0"/>
           </a:p>
@@ -1585,7 +1585,70 @@
           <a:p>
             <a:r>
               <a:rPr lang="it-IT" dirty="0"/>
-              <a:t>Un attore può avere più ruoli, per quello in chiave di clustering</a:t>
+              <a:t>Oltre alla granularità del video, attenzione al personaggio (</a:t>
+            </a:r>
+            <a:r>
+              <a:rPr lang="it-IT" dirty="0" err="1"/>
+              <a:t>character_name</a:t>
+            </a:r>
+            <a:r>
+              <a:rPr lang="it-IT" dirty="0"/>
+              <a:t>)</a:t>
+            </a:r>
+          </a:p>
+          <a:p>
+            <a:endParaRPr lang="it-IT" dirty="0"/>
+          </a:p>
+          <a:p>
+            <a:r>
+              <a:rPr lang="it-IT" dirty="0"/>
+              <a:t>Clustering </a:t>
+            </a:r>
+            <a:r>
+              <a:rPr lang="it-IT" dirty="0" err="1"/>
+              <a:t>order</a:t>
+            </a:r>
+            <a:r>
+              <a:rPr lang="it-IT" dirty="0"/>
+              <a:t> by </a:t>
+            </a:r>
+            <a:r>
+              <a:rPr lang="it-IT" dirty="0" err="1"/>
+              <a:t>added_date</a:t>
+            </a:r>
+            <a:r>
+              <a:rPr lang="it-IT" dirty="0"/>
+              <a:t> </a:t>
+            </a:r>
+            <a:r>
+              <a:rPr lang="it-IT" dirty="0" err="1"/>
+              <a:t>desc</a:t>
+            </a:r>
+            <a:endParaRPr lang="it-IT" dirty="0"/>
+          </a:p>
+          <a:p>
+            <a:endParaRPr lang="it-IT" dirty="0"/>
+          </a:p>
+          <a:p>
+            <a:r>
+              <a:rPr lang="it-IT" dirty="0"/>
+              <a:t>Ridefinire </a:t>
+            </a:r>
+            <a:r>
+              <a:rPr lang="it-IT" dirty="0" err="1"/>
+              <a:t>type</a:t>
+            </a:r>
+            <a:r>
+              <a:rPr lang="it-IT" dirty="0"/>
+              <a:t> video </a:t>
+            </a:r>
+            <a:r>
+              <a:rPr lang="it-IT" dirty="0" err="1"/>
+              <a:t>encoding</a:t>
+            </a:r>
+            <a:r>
+              <a:rPr lang="it-IT" dirty="0"/>
+              <a:t>.</a:t>
             </a:r>
           </a:p>
         </p:txBody>
@@ -1607,6 +1670,93 @@
           <a:p>
             <a:fld id="{B38CEA09-33FA-4F6C-9D30-5FB0AA0E11C3}" type="slidenum">
               <a:rPr lang="it-IT" smtClean="0"/>
+              <a:t>52</a:t>
+            </a:fld>
+            <a:endParaRPr lang="it-IT" dirty="0"/>
+          </a:p>
+        </p:txBody>
+      </p:sp>
+    </p:spTree>
+    <p:extLst>
+      <p:ext uri="{BB962C8B-B14F-4D97-AF65-F5344CB8AC3E}">
+        <p14:creationId xmlns:p14="http://schemas.microsoft.com/office/powerpoint/2010/main" val="1769719923"/>
+      </p:ext>
+    </p:extLst>
+  </p:cSld>
+  <p:clrMapOvr>
+    <a:masterClrMapping/>
+  </p:clrMapOvr>
+</p:notes>
+</file>
+
+<file path=ppt/notesSlides/notesSlide18.xml><?xml version="1.0" encoding="utf-8"?>
+<p:notes xmlns:a="http://schemas.openxmlformats.org/drawingml/2006/main" xmlns:r="http://schemas.openxmlformats.org/officeDocument/2006/relationships" xmlns:p="http://schemas.openxmlformats.org/presentationml/2006/main">
+  <p:cSld>
+    <p:spTree>
+      <p:nvGrpSpPr>
+        <p:cNvPr id="1" name=""/>
+        <p:cNvGrpSpPr/>
+        <p:nvPr/>
+      </p:nvGrpSpPr>
+      <p:grpSpPr>
+        <a:xfrm>
+          <a:off x="0" y="0"/>
+          <a:ext cx="0" cy="0"/>
+          <a:chOff x="0" y="0"/>
+          <a:chExt cx="0" cy="0"/>
+        </a:xfrm>
+      </p:grpSpPr>
+      <p:sp>
+        <p:nvSpPr>
+          <p:cNvPr id="2" name="Segnaposto immagine diapositiva 1"/>
+          <p:cNvSpPr>
+            <a:spLocks noGrp="1" noRot="1" noChangeAspect="1"/>
+          </p:cNvSpPr>
+          <p:nvPr>
+            <p:ph type="sldImg"/>
+          </p:nvPr>
+        </p:nvSpPr>
+        <p:spPr/>
+      </p:sp>
+      <p:sp>
+        <p:nvSpPr>
+          <p:cNvPr id="3" name="Segnaposto note 2"/>
+          <p:cNvSpPr>
+            <a:spLocks noGrp="1"/>
+          </p:cNvSpPr>
+          <p:nvPr>
+            <p:ph type="body" idx="1"/>
+          </p:nvPr>
+        </p:nvSpPr>
+        <p:spPr/>
+        <p:txBody>
+          <a:bodyPr/>
+          <a:lstStyle/>
+          <a:p>
+            <a:r>
+              <a:rPr lang="it-IT" dirty="0"/>
+              <a:t>Un attore può avere più ruoli, per quello in chiave di clustering</a:t>
+            </a:r>
+          </a:p>
+        </p:txBody>
+      </p:sp>
+      <p:sp>
+        <p:nvSpPr>
+          <p:cNvPr id="4" name="Segnaposto numero diapositiva 3"/>
+          <p:cNvSpPr>
+            <a:spLocks noGrp="1"/>
+          </p:cNvSpPr>
+          <p:nvPr>
+            <p:ph type="sldNum" sz="quarter" idx="5"/>
+          </p:nvPr>
+        </p:nvSpPr>
+        <p:spPr/>
+        <p:txBody>
+          <a:bodyPr/>
+          <a:lstStyle/>
+          <a:p>
+            <a:fld id="{B38CEA09-33FA-4F6C-9D30-5FB0AA0E11C3}" type="slidenum">
+              <a:rPr lang="it-IT" smtClean="0"/>
               <a:t>53</a:t>
             </a:fld>
             <a:endParaRPr lang="it-IT" dirty="0"/>
@@ -1626,7 +1776,7 @@
 </p:notes>
 </file>
 
-<file path=ppt/notesSlides/notesSlide18.xml><?xml version="1.0" encoding="utf-8"?>
+<file path=ppt/notesSlides/notesSlide19.xml><?xml version="1.0" encoding="utf-8"?>
 <p:notes xmlns:a="http://schemas.openxmlformats.org/drawingml/2006/main" xmlns:r="http://schemas.openxmlformats.org/officeDocument/2006/relationships" xmlns:p="http://schemas.openxmlformats.org/presentationml/2006/main">
   <p:cSld>
     <p:spTree>
@@ -2722,7 +2872,7 @@
           <a:p>
             <a:fld id="{65061730-2F0F-4B55-83F4-33856D80FFD7}" type="datetime1">
               <a:rPr lang="en-US" smtClean="0"/>
-              <a:t>2/16/2023</a:t>
+              <a:t>2/17/2023</a:t>
             </a:fld>
             <a:endParaRPr lang="en-US" dirty="0"/>
           </a:p>
@@ -2930,7 +3080,7 @@
           <a:p>
             <a:fld id="{BE1035D6-F845-4530-B289-DD4EC9CAE501}" type="datetime1">
               <a:rPr lang="en-US" smtClean="0"/>
-              <a:t>2/16/2023</a:t>
+              <a:t>2/17/2023</a:t>
             </a:fld>
             <a:endParaRPr lang="en-US" dirty="0"/>
           </a:p>
@@ -3186,7 +3336,7 @@
           <a:p>
             <a:fld id="{EDD3DE46-844C-40F1-AAA7-78AD6518D44C}" type="datetime1">
               <a:rPr lang="en-US" smtClean="0"/>
-              <a:t>2/16/2023</a:t>
+              <a:t>2/17/2023</a:t>
             </a:fld>
             <a:endParaRPr lang="en-US" dirty="0"/>
           </a:p>
@@ -3358,7 +3508,7 @@
           <a:p>
             <a:fld id="{1FCF7768-7A83-43C9-9C3D-95CD5F68D7E2}" type="datetime1">
               <a:rPr lang="en-US" smtClean="0"/>
-              <a:t>2/16/2023</a:t>
+              <a:t>2/17/2023</a:t>
             </a:fld>
             <a:endParaRPr lang="en-US" dirty="0"/>
           </a:p>
@@ -3701,7 +3851,7 @@
           <a:p>
             <a:fld id="{58DD30C4-1715-4BC2-976F-EF7BA4DC70B4}" type="datetime1">
               <a:rPr lang="en-US" smtClean="0"/>
-              <a:t>2/16/2023</a:t>
+              <a:t>2/17/2023</a:t>
             </a:fld>
             <a:endParaRPr lang="en-US" dirty="0"/>
           </a:p>
@@ -3976,7 +4126,7 @@
           <a:p>
             <a:fld id="{E92CF10C-564E-48D4-BE3A-05BB93A7F107}" type="datetime1">
               <a:rPr lang="en-US" smtClean="0"/>
-              <a:t>2/16/2023</a:t>
+              <a:t>2/17/2023</a:t>
             </a:fld>
             <a:endParaRPr lang="en-US" dirty="0"/>
           </a:p>
@@ -4355,7 +4505,7 @@
           <a:p>
             <a:fld id="{CEF5B9DB-33AD-46E7-ADFD-C52815BFEA09}" type="datetime1">
               <a:rPr lang="en-US" smtClean="0"/>
-              <a:t>2/16/2023</a:t>
+              <a:t>2/17/2023</a:t>
             </a:fld>
             <a:endParaRPr lang="en-US" dirty="0"/>
           </a:p>
@@ -4473,7 +4623,7 @@
           <a:p>
             <a:fld id="{EFC02824-932F-46A1-8D0D-D52979BEE663}" type="datetime1">
               <a:rPr lang="en-US" smtClean="0"/>
-              <a:t>2/16/2023</a:t>
+              <a:t>2/17/2023</a:t>
             </a:fld>
             <a:endParaRPr lang="en-US" dirty="0"/>
           </a:p>
@@ -4644,7 +4794,7 @@
           <a:p>
             <a:fld id="{36233CB2-1968-4F08-9AB4-83693145DE18}" type="datetime1">
               <a:rPr lang="en-US" smtClean="0"/>
-              <a:t>2/16/2023</a:t>
+              <a:t>2/17/2023</a:t>
             </a:fld>
             <a:endParaRPr lang="en-US" dirty="0"/>
           </a:p>
@@ -4999,7 +5149,7 @@
           <a:p>
             <a:fld id="{F8F6D7E5-1322-4764-A2E4-7B71FFFDE726}" type="datetime1">
               <a:rPr lang="en-US" smtClean="0"/>
-              <a:t>2/16/2023</a:t>
+              <a:t>2/17/2023</a:t>
             </a:fld>
             <a:endParaRPr lang="en-US" dirty="0"/>
           </a:p>
@@ -5377,7 +5527,7 @@
           <a:p>
             <a:fld id="{E26D0A1A-929F-4DC6-9A8A-74A15252C912}" type="datetime1">
               <a:rPr lang="en-US" smtClean="0"/>
-              <a:t>2/16/2023</a:t>
+              <a:t>2/17/2023</a:t>
             </a:fld>
             <a:endParaRPr lang="en-US" dirty="0"/>
           </a:p>
@@ -5664,7 +5814,7 @@
           <a:p>
             <a:fld id="{EDD3DE46-844C-40F1-AAA7-78AD6518D44C}" type="datetime1">
               <a:rPr lang="en-US" smtClean="0"/>
-              <a:t>2/16/2023</a:t>
+              <a:t>2/17/2023</a:t>
             </a:fld>
             <a:endParaRPr lang="en-US" dirty="0"/>
           </a:p>

--- a/slides/02 - E2 - Cassandra Intro.pptx
+++ b/slides/02 - E2 - Cassandra Intro.pptx
@@ -268,7 +268,7 @@
           <a:p>
             <a:fld id="{8C81D565-392B-4AB9-9647-420EF17AA3FC}" type="datetimeFigureOut">
               <a:rPr lang="it-IT" smtClean="0"/>
-              <a:t>09/02/2022</a:t>
+              <a:t>17/02/2023</a:t>
             </a:fld>
             <a:endParaRPr lang="it-IT" dirty="0"/>
           </a:p>
@@ -690,42 +690,17 @@
           <a:lstStyle/>
           <a:p>
             <a:r>
-              <a:rPr lang="en-US" dirty="0"/>
-              <a:t>DESCRIBE TABLE</a:t>
-            </a:r>
-            <a:r>
-              <a:rPr lang="en-US" baseline="0" dirty="0"/>
-              <a:t> -&gt; </a:t>
-            </a:r>
-            <a:r>
-              <a:rPr lang="en-US" baseline="0" dirty="0" err="1"/>
-              <a:t>notare</a:t>
-            </a:r>
-            <a:r>
-              <a:rPr lang="en-US" baseline="0" dirty="0"/>
-              <a:t> </a:t>
-            </a:r>
-            <a:r>
-              <a:rPr lang="en-US" baseline="0" dirty="0" err="1"/>
-              <a:t>l'ordine</a:t>
-            </a:r>
-            <a:r>
-              <a:rPr lang="en-US" baseline="0" dirty="0"/>
-              <a:t> </a:t>
-            </a:r>
-            <a:r>
-              <a:rPr lang="en-US" baseline="0" dirty="0" err="1"/>
-              <a:t>delle</a:t>
-            </a:r>
-            <a:r>
-              <a:rPr lang="en-US" baseline="0" dirty="0"/>
-              <a:t> </a:t>
-            </a:r>
-            <a:r>
-              <a:rPr lang="en-US" baseline="0" dirty="0" err="1"/>
-              <a:t>colonne</a:t>
-            </a:r>
-            <a:endParaRPr lang="en-US" dirty="0"/>
+              <a:rPr lang="it-IT" dirty="0"/>
+              <a:t>Punto di partenza: ho un file </a:t>
+            </a:r>
+            <a:r>
+              <a:rPr lang="it-IT" dirty="0" err="1"/>
+              <a:t>csv</a:t>
+            </a:r>
+            <a:r>
+              <a:rPr lang="it-IT" dirty="0"/>
+              <a:t> con </a:t>
+            </a:r>
           </a:p>
         </p:txBody>
       </p:sp>
@@ -746,7 +721,7 @@
           <a:p>
             <a:fld id="{B38CEA09-33FA-4F6C-9D30-5FB0AA0E11C3}" type="slidenum">
               <a:rPr lang="it-IT" smtClean="0"/>
-              <a:t>30</a:t>
+              <a:t>28</a:t>
             </a:fld>
             <a:endParaRPr lang="it-IT" dirty="0"/>
           </a:p>
@@ -755,7 +730,7 @@
     </p:spTree>
     <p:extLst>
       <p:ext uri="{BB962C8B-B14F-4D97-AF65-F5344CB8AC3E}">
-        <p14:creationId xmlns:p14="http://schemas.microsoft.com/office/powerpoint/2010/main" val="199411169"/>
+        <p14:creationId xmlns:p14="http://schemas.microsoft.com/office/powerpoint/2010/main" val="1763239004"/>
       </p:ext>
     </p:extLst>
   </p:cSld>
@@ -809,6 +784,42 @@
           <a:bodyPr/>
           <a:lstStyle/>
           <a:p>
+            <a:r>
+              <a:rPr lang="en-US" dirty="0"/>
+              <a:t>DESCRIBE TABLE</a:t>
+            </a:r>
+            <a:r>
+              <a:rPr lang="en-US" baseline="0" dirty="0"/>
+              <a:t> -&gt; </a:t>
+            </a:r>
+            <a:r>
+              <a:rPr lang="en-US" baseline="0" dirty="0" err="1"/>
+              <a:t>notare</a:t>
+            </a:r>
+            <a:r>
+              <a:rPr lang="en-US" baseline="0" dirty="0"/>
+              <a:t> </a:t>
+            </a:r>
+            <a:r>
+              <a:rPr lang="en-US" baseline="0" dirty="0" err="1"/>
+              <a:t>l'ordine</a:t>
+            </a:r>
+            <a:r>
+              <a:rPr lang="en-US" baseline="0" dirty="0"/>
+              <a:t> </a:t>
+            </a:r>
+            <a:r>
+              <a:rPr lang="en-US" baseline="0" dirty="0" err="1"/>
+              <a:t>delle</a:t>
+            </a:r>
+            <a:r>
+              <a:rPr lang="en-US" baseline="0" dirty="0"/>
+              <a:t> </a:t>
+            </a:r>
+            <a:r>
+              <a:rPr lang="en-US" baseline="0" dirty="0" err="1"/>
+              <a:t>colonne</a:t>
+            </a:r>
             <a:endParaRPr lang="en-US" dirty="0"/>
           </a:p>
         </p:txBody>
@@ -830,7 +841,7 @@
           <a:p>
             <a:fld id="{B38CEA09-33FA-4F6C-9D30-5FB0AA0E11C3}" type="slidenum">
               <a:rPr lang="it-IT" smtClean="0"/>
-              <a:t>42</a:t>
+              <a:t>29</a:t>
             </a:fld>
             <a:endParaRPr lang="it-IT" dirty="0"/>
           </a:p>
@@ -839,7 +850,7 @@
     </p:spTree>
     <p:extLst>
       <p:ext uri="{BB962C8B-B14F-4D97-AF65-F5344CB8AC3E}">
-        <p14:creationId xmlns:p14="http://schemas.microsoft.com/office/powerpoint/2010/main" val="134689389"/>
+        <p14:creationId xmlns:p14="http://schemas.microsoft.com/office/powerpoint/2010/main" val="2128317767"/>
       </p:ext>
     </p:extLst>
   </p:cSld>
@@ -894,96 +905,16 @@
           <a:lstStyle/>
           <a:p>
             <a:r>
-              <a:rPr lang="en-US" dirty="0" err="1"/>
-              <a:t>Attenzione</a:t>
-            </a:r>
-            <a:r>
-              <a:rPr lang="en-US" dirty="0"/>
-              <a:t>! </a:t>
-            </a:r>
-            <a:r>
-              <a:rPr lang="en-US" dirty="0" err="1"/>
-              <a:t>Nel</a:t>
-            </a:r>
-            <a:r>
-              <a:rPr lang="en-US" dirty="0"/>
-              <a:t> </a:t>
-            </a:r>
-            <a:r>
-              <a:rPr lang="en-US" dirty="0" err="1"/>
-              <a:t>corso</a:t>
-            </a:r>
-            <a:r>
-              <a:rPr lang="en-US" dirty="0"/>
-              <a:t> di </a:t>
-            </a:r>
-            <a:r>
-              <a:rPr lang="en-US" dirty="0" err="1"/>
-              <a:t>riferimento</a:t>
-            </a:r>
-            <a:r>
-              <a:rPr lang="en-US" dirty="0"/>
-              <a:t> (DS220) </a:t>
-            </a:r>
-            <a:r>
-              <a:rPr lang="en-US" dirty="0" err="1"/>
-              <a:t>viene</a:t>
-            </a:r>
-            <a:r>
-              <a:rPr lang="en-US" dirty="0"/>
-              <a:t> </a:t>
-            </a:r>
-            <a:r>
-              <a:rPr lang="en-US" dirty="0" err="1"/>
-              <a:t>detta</a:t>
-            </a:r>
-            <a:r>
-              <a:rPr lang="en-US" dirty="0"/>
-              <a:t> </a:t>
-            </a:r>
-            <a:r>
-              <a:rPr lang="en-US" dirty="0" err="1"/>
-              <a:t>una</a:t>
-            </a:r>
-            <a:r>
-              <a:rPr lang="en-US" dirty="0"/>
-              <a:t> </a:t>
-            </a:r>
-            <a:r>
-              <a:rPr lang="en-US" dirty="0" err="1"/>
-              <a:t>cosa</a:t>
-            </a:r>
-            <a:r>
-              <a:rPr lang="en-US" dirty="0"/>
-              <a:t> </a:t>
-            </a:r>
-            <a:r>
-              <a:rPr lang="en-US" dirty="0" err="1"/>
-              <a:t>profondamente</a:t>
-            </a:r>
-            <a:r>
-              <a:rPr lang="en-US" dirty="0"/>
-              <a:t> </a:t>
-            </a:r>
-            <a:r>
-              <a:rPr lang="en-US" dirty="0" err="1"/>
-              <a:t>sbagliata</a:t>
-            </a:r>
-            <a:r>
-              <a:rPr lang="en-US" dirty="0"/>
-              <a:t>, </a:t>
-            </a:r>
-            <a:r>
-              <a:rPr lang="en-US" dirty="0" err="1"/>
-              <a:t>ossia</a:t>
+              <a:rPr lang="en-US" dirty="0"/>
+              <a:t>DESCRIBE TABLE</a:t>
             </a:r>
             <a:r>
               <a:rPr lang="en-US" baseline="0" dirty="0"/>
-              <a:t> </a:t>
+              <a:t> -&gt; </a:t>
             </a:r>
             <a:r>
               <a:rPr lang="en-US" baseline="0" dirty="0" err="1"/>
-              <a:t>che</a:t>
+              <a:t>notare</a:t>
             </a:r>
             <a:r>
               <a:rPr lang="en-US" baseline="0" dirty="0"/>
@@ -991,39 +922,106 @@
             </a:r>
             <a:r>
               <a:rPr lang="en-US" baseline="0" dirty="0" err="1"/>
-              <a:t>il</a:t>
+              <a:t>l'ordine</a:t>
             </a:r>
             <a:r>
               <a:rPr lang="en-US" baseline="0" dirty="0"/>
-              <a:t> DBMS prima fa </a:t>
+              <a:t> </a:t>
             </a:r>
             <a:r>
               <a:rPr lang="en-US" baseline="0" dirty="0" err="1"/>
-              <a:t>il</a:t>
+              <a:t>delle</a:t>
             </a:r>
             <a:r>
               <a:rPr lang="en-US" baseline="0" dirty="0"/>
-              <a:t> join, poi </a:t>
+              <a:t> </a:t>
             </a:r>
             <a:r>
               <a:rPr lang="en-US" baseline="0" dirty="0" err="1"/>
-              <a:t>il</a:t>
-            </a:r>
+              <a:t>colonne</a:t>
+            </a:r>
+            <a:endParaRPr lang="en-US" baseline="0" dirty="0"/>
+          </a:p>
+          <a:p>
+            <a:endParaRPr lang="en-US" baseline="0" dirty="0"/>
+          </a:p>
+          <a:p>
             <a:r>
               <a:rPr lang="en-US" baseline="0" dirty="0"/>
-              <a:t> </a:t>
+              <a:t>(</a:t>
             </a:r>
             <a:r>
               <a:rPr lang="en-US" baseline="0" dirty="0" err="1"/>
-              <a:t>filtro</a:t>
+              <a:t>perchè</a:t>
             </a:r>
             <a:r>
               <a:rPr lang="en-US" baseline="0" dirty="0"/>
-              <a:t>. </a:t>
-            </a:r>
-            <a:endParaRPr lang="en-US" dirty="0"/>
-          </a:p>
-          <a:p>
+              <a:t> TAG come </a:t>
+            </a:r>
+            <a:r>
+              <a:rPr lang="en-US" baseline="0" dirty="0" err="1"/>
+              <a:t>partizionamento</a:t>
+            </a:r>
+            <a:r>
+              <a:rPr lang="en-US" baseline="0" dirty="0"/>
+              <a:t> e non </a:t>
+            </a:r>
+            <a:r>
+              <a:rPr lang="en-US" baseline="0" dirty="0" err="1"/>
+              <a:t>anche</a:t>
+            </a:r>
+            <a:r>
+              <a:rPr lang="en-US" baseline="0" dirty="0"/>
+              <a:t> </a:t>
+            </a:r>
+            <a:r>
+              <a:rPr lang="en-US" baseline="0" dirty="0" err="1"/>
+              <a:t>video_id</a:t>
+            </a:r>
+            <a:r>
+              <a:rPr lang="en-US" baseline="0" dirty="0"/>
+              <a:t>? </a:t>
+            </a:r>
+            <a:r>
+              <a:rPr lang="en-US" baseline="0" dirty="0" err="1"/>
+              <a:t>Video_id</a:t>
+            </a:r>
+            <a:r>
+              <a:rPr lang="en-US" baseline="0" dirty="0"/>
+              <a:t> poi </a:t>
+            </a:r>
+            <a:r>
+              <a:rPr lang="en-US" baseline="0" dirty="0" err="1"/>
+              <a:t>crea</a:t>
+            </a:r>
+            <a:r>
+              <a:rPr lang="en-US" baseline="0" dirty="0"/>
+              <a:t> </a:t>
+            </a:r>
+            <a:r>
+              <a:rPr lang="en-US" baseline="0" dirty="0" err="1"/>
+              <a:t>gruppi</a:t>
+            </a:r>
+            <a:r>
+              <a:rPr lang="en-US" baseline="0" dirty="0"/>
+              <a:t> </a:t>
+            </a:r>
+            <a:r>
+              <a:rPr lang="en-US" baseline="0" dirty="0" err="1"/>
+              <a:t>più</a:t>
+            </a:r>
+            <a:r>
+              <a:rPr lang="en-US" baseline="0" dirty="0"/>
+              <a:t> </a:t>
+            </a:r>
+            <a:r>
+              <a:rPr lang="en-US" baseline="0" dirty="0" err="1"/>
+              <a:t>piccoli</a:t>
+            </a:r>
+            <a:r>
+              <a:rPr lang="en-US" baseline="0" dirty="0"/>
+              <a:t>..)</a:t>
+            </a:r>
             <a:endParaRPr lang="en-US" dirty="0"/>
           </a:p>
         </p:txBody>
@@ -1045,6 +1043,392 @@
           <a:p>
             <a:fld id="{B38CEA09-33FA-4F6C-9D30-5FB0AA0E11C3}" type="slidenum">
               <a:rPr lang="it-IT" smtClean="0"/>
+              <a:t>30</a:t>
+            </a:fld>
+            <a:endParaRPr lang="it-IT" dirty="0"/>
+          </a:p>
+        </p:txBody>
+      </p:sp>
+    </p:spTree>
+    <p:extLst>
+      <p:ext uri="{BB962C8B-B14F-4D97-AF65-F5344CB8AC3E}">
+        <p14:creationId xmlns:p14="http://schemas.microsoft.com/office/powerpoint/2010/main" val="199411169"/>
+      </p:ext>
+    </p:extLst>
+  </p:cSld>
+  <p:clrMapOvr>
+    <a:masterClrMapping/>
+  </p:clrMapOvr>
+</p:notes>
+</file>
+
+<file path=ppt/notesSlides/notesSlide13.xml><?xml version="1.0" encoding="utf-8"?>
+<p:notes xmlns:a="http://schemas.openxmlformats.org/drawingml/2006/main" xmlns:r="http://schemas.openxmlformats.org/officeDocument/2006/relationships" xmlns:p="http://schemas.openxmlformats.org/presentationml/2006/main">
+  <p:cSld>
+    <p:spTree>
+      <p:nvGrpSpPr>
+        <p:cNvPr id="1" name=""/>
+        <p:cNvGrpSpPr/>
+        <p:nvPr/>
+      </p:nvGrpSpPr>
+      <p:grpSpPr>
+        <a:xfrm>
+          <a:off x="0" y="0"/>
+          <a:ext cx="0" cy="0"/>
+          <a:chOff x="0" y="0"/>
+          <a:chExt cx="0" cy="0"/>
+        </a:xfrm>
+      </p:grpSpPr>
+      <p:sp>
+        <p:nvSpPr>
+          <p:cNvPr id="2" name="Segnaposto immagine diapositiva 1"/>
+          <p:cNvSpPr>
+            <a:spLocks noGrp="1" noRot="1" noChangeAspect="1"/>
+          </p:cNvSpPr>
+          <p:nvPr>
+            <p:ph type="sldImg"/>
+          </p:nvPr>
+        </p:nvSpPr>
+        <p:spPr/>
+      </p:sp>
+      <p:sp>
+        <p:nvSpPr>
+          <p:cNvPr id="3" name="Segnaposto note 2"/>
+          <p:cNvSpPr>
+            <a:spLocks noGrp="1"/>
+          </p:cNvSpPr>
+          <p:nvPr>
+            <p:ph type="body" idx="1"/>
+          </p:nvPr>
+        </p:nvSpPr>
+        <p:spPr/>
+        <p:txBody>
+          <a:bodyPr/>
+          <a:lstStyle/>
+          <a:p>
+            <a:r>
+              <a:rPr lang="it-IT" dirty="0"/>
+              <a:t>La penultima non va</a:t>
+            </a:r>
+          </a:p>
+        </p:txBody>
+      </p:sp>
+      <p:sp>
+        <p:nvSpPr>
+          <p:cNvPr id="4" name="Segnaposto numero diapositiva 3"/>
+          <p:cNvSpPr>
+            <a:spLocks noGrp="1"/>
+          </p:cNvSpPr>
+          <p:nvPr>
+            <p:ph type="sldNum" sz="quarter" idx="5"/>
+          </p:nvPr>
+        </p:nvSpPr>
+        <p:spPr/>
+        <p:txBody>
+          <a:bodyPr/>
+          <a:lstStyle/>
+          <a:p>
+            <a:fld id="{B38CEA09-33FA-4F6C-9D30-5FB0AA0E11C3}" type="slidenum">
+              <a:rPr lang="it-IT" smtClean="0"/>
+              <a:t>31</a:t>
+            </a:fld>
+            <a:endParaRPr lang="it-IT" dirty="0"/>
+          </a:p>
+        </p:txBody>
+      </p:sp>
+    </p:spTree>
+    <p:extLst>
+      <p:ext uri="{BB962C8B-B14F-4D97-AF65-F5344CB8AC3E}">
+        <p14:creationId xmlns:p14="http://schemas.microsoft.com/office/powerpoint/2010/main" val="2620812623"/>
+      </p:ext>
+    </p:extLst>
+  </p:cSld>
+  <p:clrMapOvr>
+    <a:masterClrMapping/>
+  </p:clrMapOvr>
+</p:notes>
+</file>
+
+<file path=ppt/notesSlides/notesSlide14.xml><?xml version="1.0" encoding="utf-8"?>
+<p:notes xmlns:a="http://schemas.openxmlformats.org/drawingml/2006/main" xmlns:r="http://schemas.openxmlformats.org/officeDocument/2006/relationships" xmlns:p="http://schemas.openxmlformats.org/presentationml/2006/main">
+  <p:cSld>
+    <p:spTree>
+      <p:nvGrpSpPr>
+        <p:cNvPr id="1" name=""/>
+        <p:cNvGrpSpPr/>
+        <p:nvPr/>
+      </p:nvGrpSpPr>
+      <p:grpSpPr>
+        <a:xfrm>
+          <a:off x="0" y="0"/>
+          <a:ext cx="0" cy="0"/>
+          <a:chOff x="0" y="0"/>
+          <a:chExt cx="0" cy="0"/>
+        </a:xfrm>
+      </p:grpSpPr>
+      <p:sp>
+        <p:nvSpPr>
+          <p:cNvPr id="2" name="Segnaposto immagine diapositiva 1"/>
+          <p:cNvSpPr>
+            <a:spLocks noGrp="1" noRot="1" noChangeAspect="1"/>
+          </p:cNvSpPr>
+          <p:nvPr>
+            <p:ph type="sldImg"/>
+          </p:nvPr>
+        </p:nvSpPr>
+        <p:spPr/>
+      </p:sp>
+      <p:sp>
+        <p:nvSpPr>
+          <p:cNvPr id="3" name="Segnaposto note 2"/>
+          <p:cNvSpPr>
+            <a:spLocks noGrp="1"/>
+          </p:cNvSpPr>
+          <p:nvPr>
+            <p:ph type="body" idx="1"/>
+          </p:nvPr>
+        </p:nvSpPr>
+        <p:spPr/>
+        <p:txBody>
+          <a:bodyPr/>
+          <a:lstStyle/>
+          <a:p>
+            <a:endParaRPr lang="en-US" dirty="0"/>
+          </a:p>
+        </p:txBody>
+      </p:sp>
+      <p:sp>
+        <p:nvSpPr>
+          <p:cNvPr id="4" name="Segnaposto numero diapositiva 3"/>
+          <p:cNvSpPr>
+            <a:spLocks noGrp="1"/>
+          </p:cNvSpPr>
+          <p:nvPr>
+            <p:ph type="sldNum" sz="quarter" idx="10"/>
+          </p:nvPr>
+        </p:nvSpPr>
+        <p:spPr/>
+        <p:txBody>
+          <a:bodyPr/>
+          <a:lstStyle/>
+          <a:p>
+            <a:fld id="{B38CEA09-33FA-4F6C-9D30-5FB0AA0E11C3}" type="slidenum">
+              <a:rPr lang="it-IT" smtClean="0"/>
+              <a:t>42</a:t>
+            </a:fld>
+            <a:endParaRPr lang="it-IT" dirty="0"/>
+          </a:p>
+        </p:txBody>
+      </p:sp>
+    </p:spTree>
+    <p:extLst>
+      <p:ext uri="{BB962C8B-B14F-4D97-AF65-F5344CB8AC3E}">
+        <p14:creationId xmlns:p14="http://schemas.microsoft.com/office/powerpoint/2010/main" val="134689389"/>
+      </p:ext>
+    </p:extLst>
+  </p:cSld>
+  <p:clrMapOvr>
+    <a:masterClrMapping/>
+  </p:clrMapOvr>
+</p:notes>
+</file>
+
+<file path=ppt/notesSlides/notesSlide15.xml><?xml version="1.0" encoding="utf-8"?>
+<p:notes xmlns:a="http://schemas.openxmlformats.org/drawingml/2006/main" xmlns:r="http://schemas.openxmlformats.org/officeDocument/2006/relationships" xmlns:p="http://schemas.openxmlformats.org/presentationml/2006/main">
+  <p:cSld>
+    <p:spTree>
+      <p:nvGrpSpPr>
+        <p:cNvPr id="1" name=""/>
+        <p:cNvGrpSpPr/>
+        <p:nvPr/>
+      </p:nvGrpSpPr>
+      <p:grpSpPr>
+        <a:xfrm>
+          <a:off x="0" y="0"/>
+          <a:ext cx="0" cy="0"/>
+          <a:chOff x="0" y="0"/>
+          <a:chExt cx="0" cy="0"/>
+        </a:xfrm>
+      </p:grpSpPr>
+      <p:sp>
+        <p:nvSpPr>
+          <p:cNvPr id="2" name="Segnaposto immagine diapositiva 1"/>
+          <p:cNvSpPr>
+            <a:spLocks noGrp="1" noRot="1" noChangeAspect="1"/>
+          </p:cNvSpPr>
+          <p:nvPr>
+            <p:ph type="sldImg"/>
+          </p:nvPr>
+        </p:nvSpPr>
+        <p:spPr/>
+      </p:sp>
+      <p:sp>
+        <p:nvSpPr>
+          <p:cNvPr id="3" name="Segnaposto note 2"/>
+          <p:cNvSpPr>
+            <a:spLocks noGrp="1"/>
+          </p:cNvSpPr>
+          <p:nvPr>
+            <p:ph type="body" idx="1"/>
+          </p:nvPr>
+        </p:nvSpPr>
+        <p:spPr/>
+        <p:txBody>
+          <a:bodyPr/>
+          <a:lstStyle/>
+          <a:p>
+            <a:r>
+              <a:rPr lang="en-US" dirty="0" err="1"/>
+              <a:t>Attenzione</a:t>
+            </a:r>
+            <a:r>
+              <a:rPr lang="en-US" dirty="0"/>
+              <a:t>! </a:t>
+            </a:r>
+            <a:r>
+              <a:rPr lang="en-US" dirty="0" err="1"/>
+              <a:t>Nel</a:t>
+            </a:r>
+            <a:r>
+              <a:rPr lang="en-US" dirty="0"/>
+              <a:t> </a:t>
+            </a:r>
+            <a:r>
+              <a:rPr lang="en-US" dirty="0" err="1"/>
+              <a:t>corso</a:t>
+            </a:r>
+            <a:r>
+              <a:rPr lang="en-US" dirty="0"/>
+              <a:t> di </a:t>
+            </a:r>
+            <a:r>
+              <a:rPr lang="en-US" dirty="0" err="1"/>
+              <a:t>riferimento</a:t>
+            </a:r>
+            <a:r>
+              <a:rPr lang="en-US" dirty="0"/>
+              <a:t> (DS220) </a:t>
+            </a:r>
+            <a:r>
+              <a:rPr lang="en-US" dirty="0" err="1"/>
+              <a:t>viene</a:t>
+            </a:r>
+            <a:r>
+              <a:rPr lang="en-US" dirty="0"/>
+              <a:t> </a:t>
+            </a:r>
+            <a:r>
+              <a:rPr lang="en-US" dirty="0" err="1"/>
+              <a:t>detta</a:t>
+            </a:r>
+            <a:r>
+              <a:rPr lang="en-US" dirty="0"/>
+              <a:t> </a:t>
+            </a:r>
+            <a:r>
+              <a:rPr lang="en-US" dirty="0" err="1"/>
+              <a:t>una</a:t>
+            </a:r>
+            <a:r>
+              <a:rPr lang="en-US" dirty="0"/>
+              <a:t> </a:t>
+            </a:r>
+            <a:r>
+              <a:rPr lang="en-US" dirty="0" err="1"/>
+              <a:t>cosa</a:t>
+            </a:r>
+            <a:r>
+              <a:rPr lang="en-US" dirty="0"/>
+              <a:t> </a:t>
+            </a:r>
+            <a:r>
+              <a:rPr lang="en-US" dirty="0" err="1"/>
+              <a:t>profondamente</a:t>
+            </a:r>
+            <a:r>
+              <a:rPr lang="en-US" dirty="0"/>
+              <a:t> </a:t>
+            </a:r>
+            <a:r>
+              <a:rPr lang="en-US" dirty="0" err="1"/>
+              <a:t>sbagliata</a:t>
+            </a:r>
+            <a:r>
+              <a:rPr lang="en-US" dirty="0"/>
+              <a:t>, </a:t>
+            </a:r>
+            <a:r>
+              <a:rPr lang="en-US" dirty="0" err="1"/>
+              <a:t>ossia</a:t>
+            </a:r>
+            <a:r>
+              <a:rPr lang="en-US" baseline="0" dirty="0"/>
+              <a:t> </a:t>
+            </a:r>
+            <a:r>
+              <a:rPr lang="en-US" baseline="0" dirty="0" err="1"/>
+              <a:t>che</a:t>
+            </a:r>
+            <a:r>
+              <a:rPr lang="en-US" baseline="0" dirty="0"/>
+              <a:t> </a:t>
+            </a:r>
+            <a:r>
+              <a:rPr lang="en-US" baseline="0" dirty="0" err="1"/>
+              <a:t>il</a:t>
+            </a:r>
+            <a:r>
+              <a:rPr lang="en-US" baseline="0" dirty="0"/>
+              <a:t> DBMS prima fa </a:t>
+            </a:r>
+            <a:r>
+              <a:rPr lang="en-US" baseline="0" dirty="0" err="1"/>
+              <a:t>il</a:t>
+            </a:r>
+            <a:r>
+              <a:rPr lang="en-US" baseline="0" dirty="0"/>
+              <a:t> join, poi </a:t>
+            </a:r>
+            <a:r>
+              <a:rPr lang="en-US" baseline="0" dirty="0" err="1"/>
+              <a:t>il</a:t>
+            </a:r>
+            <a:r>
+              <a:rPr lang="en-US" baseline="0" dirty="0"/>
+              <a:t> </a:t>
+            </a:r>
+            <a:r>
+              <a:rPr lang="en-US" baseline="0" dirty="0" err="1"/>
+              <a:t>filtro</a:t>
+            </a:r>
+            <a:r>
+              <a:rPr lang="en-US" baseline="0" dirty="0"/>
+              <a:t>. </a:t>
+            </a:r>
+            <a:endParaRPr lang="en-US" dirty="0"/>
+          </a:p>
+          <a:p>
+            <a:endParaRPr lang="en-US" dirty="0"/>
+          </a:p>
+        </p:txBody>
+      </p:sp>
+      <p:sp>
+        <p:nvSpPr>
+          <p:cNvPr id="4" name="Segnaposto numero diapositiva 3"/>
+          <p:cNvSpPr>
+            <a:spLocks noGrp="1"/>
+          </p:cNvSpPr>
+          <p:nvPr>
+            <p:ph type="sldNum" sz="quarter" idx="10"/>
+          </p:nvPr>
+        </p:nvSpPr>
+        <p:spPr/>
+        <p:txBody>
+          <a:bodyPr/>
+          <a:lstStyle/>
+          <a:p>
+            <a:fld id="{B38CEA09-33FA-4F6C-9D30-5FB0AA0E11C3}" type="slidenum">
+              <a:rPr lang="it-IT" smtClean="0"/>
               <a:t>47</a:t>
             </a:fld>
             <a:endParaRPr lang="it-IT" dirty="0"/>
@@ -1064,7 +1448,335 @@
 </p:notes>
 </file>
 
-<file path=ppt/notesSlides/notesSlide13.xml><?xml version="1.0" encoding="utf-8"?>
+<file path=ppt/notesSlides/notesSlide16.xml><?xml version="1.0" encoding="utf-8"?>
+<p:notes xmlns:a="http://schemas.openxmlformats.org/drawingml/2006/main" xmlns:r="http://schemas.openxmlformats.org/officeDocument/2006/relationships" xmlns:p="http://schemas.openxmlformats.org/presentationml/2006/main">
+  <p:cSld>
+    <p:spTree>
+      <p:nvGrpSpPr>
+        <p:cNvPr id="1" name=""/>
+        <p:cNvGrpSpPr/>
+        <p:nvPr/>
+      </p:nvGrpSpPr>
+      <p:grpSpPr>
+        <a:xfrm>
+          <a:off x="0" y="0"/>
+          <a:ext cx="0" cy="0"/>
+          <a:chOff x="0" y="0"/>
+          <a:chExt cx="0" cy="0"/>
+        </a:xfrm>
+      </p:grpSpPr>
+      <p:sp>
+        <p:nvSpPr>
+          <p:cNvPr id="2" name="Segnaposto immagine diapositiva 1"/>
+          <p:cNvSpPr>
+            <a:spLocks noGrp="1" noRot="1" noChangeAspect="1"/>
+          </p:cNvSpPr>
+          <p:nvPr>
+            <p:ph type="sldImg"/>
+          </p:nvPr>
+        </p:nvSpPr>
+        <p:spPr/>
+      </p:sp>
+      <p:sp>
+        <p:nvSpPr>
+          <p:cNvPr id="3" name="Segnaposto note 2"/>
+          <p:cNvSpPr>
+            <a:spLocks noGrp="1"/>
+          </p:cNvSpPr>
+          <p:nvPr>
+            <p:ph type="body" idx="1"/>
+          </p:nvPr>
+        </p:nvSpPr>
+        <p:spPr/>
+        <p:txBody>
+          <a:bodyPr/>
+          <a:lstStyle/>
+          <a:p>
+            <a:r>
+              <a:rPr lang="it-IT" dirty="0"/>
+              <a:t>Video id non è in chiave per non </a:t>
+            </a:r>
+            <a:r>
+              <a:rPr lang="it-IT"/>
+              <a:t>essere ridondanti</a:t>
+            </a:r>
+          </a:p>
+        </p:txBody>
+      </p:sp>
+      <p:sp>
+        <p:nvSpPr>
+          <p:cNvPr id="4" name="Segnaposto numero diapositiva 3"/>
+          <p:cNvSpPr>
+            <a:spLocks noGrp="1"/>
+          </p:cNvSpPr>
+          <p:nvPr>
+            <p:ph type="sldNum" sz="quarter" idx="5"/>
+          </p:nvPr>
+        </p:nvSpPr>
+        <p:spPr/>
+        <p:txBody>
+          <a:bodyPr/>
+          <a:lstStyle/>
+          <a:p>
+            <a:fld id="{B38CEA09-33FA-4F6C-9D30-5FB0AA0E11C3}" type="slidenum">
+              <a:rPr lang="it-IT" smtClean="0"/>
+              <a:t>49</a:t>
+            </a:fld>
+            <a:endParaRPr lang="it-IT" dirty="0"/>
+          </a:p>
+        </p:txBody>
+      </p:sp>
+    </p:spTree>
+    <p:extLst>
+      <p:ext uri="{BB962C8B-B14F-4D97-AF65-F5344CB8AC3E}">
+        <p14:creationId xmlns:p14="http://schemas.microsoft.com/office/powerpoint/2010/main" val="1518959614"/>
+      </p:ext>
+    </p:extLst>
+  </p:cSld>
+  <p:clrMapOvr>
+    <a:masterClrMapping/>
+  </p:clrMapOvr>
+</p:notes>
+</file>
+
+<file path=ppt/notesSlides/notesSlide17.xml><?xml version="1.0" encoding="utf-8"?>
+<p:notes xmlns:a="http://schemas.openxmlformats.org/drawingml/2006/main" xmlns:r="http://schemas.openxmlformats.org/officeDocument/2006/relationships" xmlns:p="http://schemas.openxmlformats.org/presentationml/2006/main">
+  <p:cSld>
+    <p:spTree>
+      <p:nvGrpSpPr>
+        <p:cNvPr id="1" name=""/>
+        <p:cNvGrpSpPr/>
+        <p:nvPr/>
+      </p:nvGrpSpPr>
+      <p:grpSpPr>
+        <a:xfrm>
+          <a:off x="0" y="0"/>
+          <a:ext cx="0" cy="0"/>
+          <a:chOff x="0" y="0"/>
+          <a:chExt cx="0" cy="0"/>
+        </a:xfrm>
+      </p:grpSpPr>
+      <p:sp>
+        <p:nvSpPr>
+          <p:cNvPr id="2" name="Segnaposto immagine diapositiva 1"/>
+          <p:cNvSpPr>
+            <a:spLocks noGrp="1" noRot="1" noChangeAspect="1"/>
+          </p:cNvSpPr>
+          <p:nvPr>
+            <p:ph type="sldImg"/>
+          </p:nvPr>
+        </p:nvSpPr>
+        <p:spPr/>
+      </p:sp>
+      <p:sp>
+        <p:nvSpPr>
+          <p:cNvPr id="3" name="Segnaposto note 2"/>
+          <p:cNvSpPr>
+            <a:spLocks noGrp="1"/>
+          </p:cNvSpPr>
+          <p:nvPr>
+            <p:ph type="body" idx="1"/>
+          </p:nvPr>
+        </p:nvSpPr>
+        <p:spPr/>
+        <p:txBody>
+          <a:bodyPr/>
+          <a:lstStyle/>
+          <a:p>
+            <a:r>
+              <a:rPr lang="it-IT" dirty="0"/>
+              <a:t>Oltre alla granularità del video, attenzione al personaggio (</a:t>
+            </a:r>
+            <a:r>
+              <a:rPr lang="it-IT" dirty="0" err="1"/>
+              <a:t>character_name</a:t>
+            </a:r>
+            <a:r>
+              <a:rPr lang="it-IT" dirty="0"/>
+              <a:t>)</a:t>
+            </a:r>
+          </a:p>
+          <a:p>
+            <a:endParaRPr lang="it-IT" dirty="0"/>
+          </a:p>
+          <a:p>
+            <a:r>
+              <a:rPr lang="it-IT" dirty="0"/>
+              <a:t>Clustering </a:t>
+            </a:r>
+            <a:r>
+              <a:rPr lang="it-IT" dirty="0" err="1"/>
+              <a:t>order</a:t>
+            </a:r>
+            <a:r>
+              <a:rPr lang="it-IT" dirty="0"/>
+              <a:t> by </a:t>
+            </a:r>
+            <a:r>
+              <a:rPr lang="it-IT" dirty="0" err="1"/>
+              <a:t>added_date</a:t>
+            </a:r>
+            <a:r>
+              <a:rPr lang="it-IT" dirty="0"/>
+              <a:t> </a:t>
+            </a:r>
+            <a:r>
+              <a:rPr lang="it-IT" dirty="0" err="1"/>
+              <a:t>desc</a:t>
+            </a:r>
+            <a:endParaRPr lang="it-IT" dirty="0"/>
+          </a:p>
+          <a:p>
+            <a:endParaRPr lang="it-IT" dirty="0"/>
+          </a:p>
+          <a:p>
+            <a:r>
+              <a:rPr lang="it-IT" dirty="0"/>
+              <a:t>Ridefinire </a:t>
+            </a:r>
+            <a:r>
+              <a:rPr lang="it-IT" dirty="0" err="1"/>
+              <a:t>type</a:t>
+            </a:r>
+            <a:r>
+              <a:rPr lang="it-IT" dirty="0"/>
+              <a:t> video </a:t>
+            </a:r>
+            <a:r>
+              <a:rPr lang="it-IT" dirty="0" err="1"/>
+              <a:t>encoding</a:t>
+            </a:r>
+            <a:r>
+              <a:rPr lang="it-IT" dirty="0"/>
+              <a:t>.</a:t>
+            </a:r>
+          </a:p>
+        </p:txBody>
+      </p:sp>
+      <p:sp>
+        <p:nvSpPr>
+          <p:cNvPr id="4" name="Segnaposto numero diapositiva 3"/>
+          <p:cNvSpPr>
+            <a:spLocks noGrp="1"/>
+          </p:cNvSpPr>
+          <p:nvPr>
+            <p:ph type="sldNum" sz="quarter" idx="5"/>
+          </p:nvPr>
+        </p:nvSpPr>
+        <p:spPr/>
+        <p:txBody>
+          <a:bodyPr/>
+          <a:lstStyle/>
+          <a:p>
+            <a:fld id="{B38CEA09-33FA-4F6C-9D30-5FB0AA0E11C3}" type="slidenum">
+              <a:rPr lang="it-IT" smtClean="0"/>
+              <a:t>52</a:t>
+            </a:fld>
+            <a:endParaRPr lang="it-IT" dirty="0"/>
+          </a:p>
+        </p:txBody>
+      </p:sp>
+    </p:spTree>
+    <p:extLst>
+      <p:ext uri="{BB962C8B-B14F-4D97-AF65-F5344CB8AC3E}">
+        <p14:creationId xmlns:p14="http://schemas.microsoft.com/office/powerpoint/2010/main" val="1769719923"/>
+      </p:ext>
+    </p:extLst>
+  </p:cSld>
+  <p:clrMapOvr>
+    <a:masterClrMapping/>
+  </p:clrMapOvr>
+</p:notes>
+</file>
+
+<file path=ppt/notesSlides/notesSlide18.xml><?xml version="1.0" encoding="utf-8"?>
+<p:notes xmlns:a="http://schemas.openxmlformats.org/drawingml/2006/main" xmlns:r="http://schemas.openxmlformats.org/officeDocument/2006/relationships" xmlns:p="http://schemas.openxmlformats.org/presentationml/2006/main">
+  <p:cSld>
+    <p:spTree>
+      <p:nvGrpSpPr>
+        <p:cNvPr id="1" name=""/>
+        <p:cNvGrpSpPr/>
+        <p:nvPr/>
+      </p:nvGrpSpPr>
+      <p:grpSpPr>
+        <a:xfrm>
+          <a:off x="0" y="0"/>
+          <a:ext cx="0" cy="0"/>
+          <a:chOff x="0" y="0"/>
+          <a:chExt cx="0" cy="0"/>
+        </a:xfrm>
+      </p:grpSpPr>
+      <p:sp>
+        <p:nvSpPr>
+          <p:cNvPr id="2" name="Segnaposto immagine diapositiva 1"/>
+          <p:cNvSpPr>
+            <a:spLocks noGrp="1" noRot="1" noChangeAspect="1"/>
+          </p:cNvSpPr>
+          <p:nvPr>
+            <p:ph type="sldImg"/>
+          </p:nvPr>
+        </p:nvSpPr>
+        <p:spPr/>
+      </p:sp>
+      <p:sp>
+        <p:nvSpPr>
+          <p:cNvPr id="3" name="Segnaposto note 2"/>
+          <p:cNvSpPr>
+            <a:spLocks noGrp="1"/>
+          </p:cNvSpPr>
+          <p:nvPr>
+            <p:ph type="body" idx="1"/>
+          </p:nvPr>
+        </p:nvSpPr>
+        <p:spPr/>
+        <p:txBody>
+          <a:bodyPr/>
+          <a:lstStyle/>
+          <a:p>
+            <a:r>
+              <a:rPr lang="it-IT" dirty="0"/>
+              <a:t>Un attore può avere più ruoli, per quello in chiave di clustering</a:t>
+            </a:r>
+          </a:p>
+        </p:txBody>
+      </p:sp>
+      <p:sp>
+        <p:nvSpPr>
+          <p:cNvPr id="4" name="Segnaposto numero diapositiva 3"/>
+          <p:cNvSpPr>
+            <a:spLocks noGrp="1"/>
+          </p:cNvSpPr>
+          <p:nvPr>
+            <p:ph type="sldNum" sz="quarter" idx="5"/>
+          </p:nvPr>
+        </p:nvSpPr>
+        <p:spPr/>
+        <p:txBody>
+          <a:bodyPr/>
+          <a:lstStyle/>
+          <a:p>
+            <a:fld id="{B38CEA09-33FA-4F6C-9D30-5FB0AA0E11C3}" type="slidenum">
+              <a:rPr lang="it-IT" smtClean="0"/>
+              <a:t>53</a:t>
+            </a:fld>
+            <a:endParaRPr lang="it-IT" dirty="0"/>
+          </a:p>
+        </p:txBody>
+      </p:sp>
+    </p:spTree>
+    <p:extLst>
+      <p:ext uri="{BB962C8B-B14F-4D97-AF65-F5344CB8AC3E}">
+        <p14:creationId xmlns:p14="http://schemas.microsoft.com/office/powerpoint/2010/main" val="1597129680"/>
+      </p:ext>
+    </p:extLst>
+  </p:cSld>
+  <p:clrMapOvr>
+    <a:masterClrMapping/>
+  </p:clrMapOvr>
+</p:notes>
+</file>
+
+<file path=ppt/notesSlides/notesSlide19.xml><?xml version="1.0" encoding="utf-8"?>
 <p:notes xmlns:a="http://schemas.openxmlformats.org/drawingml/2006/main" xmlns:r="http://schemas.openxmlformats.org/officeDocument/2006/relationships" xmlns:p="http://schemas.openxmlformats.org/presentationml/2006/main">
   <p:cSld>
     <p:spTree>
@@ -1711,15 +2423,7 @@
           <a:p>
             <a:r>
               <a:rPr lang="it-IT" dirty="0"/>
-              <a:t>Punto di partenza: ho un file </a:t>
-            </a:r>
-            <a:r>
-              <a:rPr lang="it-IT" dirty="0" err="1"/>
-              <a:t>csv</a:t>
-            </a:r>
-            <a:r>
-              <a:rPr lang="it-IT" dirty="0"/>
-              <a:t> con </a:t>
+              <a:t>Non mettere le parentesi fa si che non fanno parte entrambi di colonna di partizionamento</a:t>
             </a:r>
           </a:p>
         </p:txBody>
@@ -1731,7 +2435,7 @@
             <a:spLocks noGrp="1"/>
           </p:cNvSpPr>
           <p:nvPr>
-            <p:ph type="sldNum" sz="quarter" idx="10"/>
+            <p:ph type="sldNum" sz="quarter" idx="5"/>
           </p:nvPr>
         </p:nvSpPr>
         <p:spPr/>
@@ -1741,7 +2445,7 @@
           <a:p>
             <a:fld id="{B38CEA09-33FA-4F6C-9D30-5FB0AA0E11C3}" type="slidenum">
               <a:rPr lang="it-IT" smtClean="0"/>
-              <a:t>27</a:t>
+              <a:t>17</a:t>
             </a:fld>
             <a:endParaRPr lang="it-IT" dirty="0"/>
           </a:p>
@@ -1750,7 +2454,7 @@
     </p:spTree>
     <p:extLst>
       <p:ext uri="{BB962C8B-B14F-4D97-AF65-F5344CB8AC3E}">
-        <p14:creationId xmlns:p14="http://schemas.microsoft.com/office/powerpoint/2010/main" val="3749314019"/>
+        <p14:creationId xmlns:p14="http://schemas.microsoft.com/office/powerpoint/2010/main" val="3835903786"/>
       </p:ext>
     </p:extLst>
   </p:cSld>
@@ -1806,15 +2510,7 @@
           <a:p>
             <a:r>
               <a:rPr lang="it-IT" dirty="0"/>
-              <a:t>Punto di partenza: ho un file </a:t>
-            </a:r>
-            <a:r>
-              <a:rPr lang="it-IT" dirty="0" err="1"/>
-              <a:t>csv</a:t>
-            </a:r>
-            <a:r>
-              <a:rPr lang="it-IT" dirty="0"/>
-              <a:t> con </a:t>
+              <a:t>Di default ordine ASC</a:t>
             </a:r>
           </a:p>
         </p:txBody>
@@ -1826,7 +2522,7 @@
             <a:spLocks noGrp="1"/>
           </p:cNvSpPr>
           <p:nvPr>
-            <p:ph type="sldNum" sz="quarter" idx="10"/>
+            <p:ph type="sldNum" sz="quarter" idx="5"/>
           </p:nvPr>
         </p:nvSpPr>
         <p:spPr/>
@@ -1836,7 +2532,7 @@
           <a:p>
             <a:fld id="{B38CEA09-33FA-4F6C-9D30-5FB0AA0E11C3}" type="slidenum">
               <a:rPr lang="it-IT" smtClean="0"/>
-              <a:t>28</a:t>
+              <a:t>24</a:t>
             </a:fld>
             <a:endParaRPr lang="it-IT" dirty="0"/>
           </a:p>
@@ -1845,7 +2541,7 @@
     </p:spTree>
     <p:extLst>
       <p:ext uri="{BB962C8B-B14F-4D97-AF65-F5344CB8AC3E}">
-        <p14:creationId xmlns:p14="http://schemas.microsoft.com/office/powerpoint/2010/main" val="1763239004"/>
+        <p14:creationId xmlns:p14="http://schemas.microsoft.com/office/powerpoint/2010/main" val="1735177409"/>
       </p:ext>
     </p:extLst>
   </p:cSld>
@@ -1900,42 +2596,17 @@
           <a:lstStyle/>
           <a:p>
             <a:r>
-              <a:rPr lang="en-US" dirty="0"/>
-              <a:t>DESCRIBE TABLE</a:t>
-            </a:r>
-            <a:r>
-              <a:rPr lang="en-US" baseline="0" dirty="0"/>
-              <a:t> -&gt; </a:t>
-            </a:r>
-            <a:r>
-              <a:rPr lang="en-US" baseline="0" dirty="0" err="1"/>
-              <a:t>notare</a:t>
-            </a:r>
-            <a:r>
-              <a:rPr lang="en-US" baseline="0" dirty="0"/>
-              <a:t> </a:t>
-            </a:r>
-            <a:r>
-              <a:rPr lang="en-US" baseline="0" dirty="0" err="1"/>
-              <a:t>l'ordine</a:t>
-            </a:r>
-            <a:r>
-              <a:rPr lang="en-US" baseline="0" dirty="0"/>
-              <a:t> </a:t>
-            </a:r>
-            <a:r>
-              <a:rPr lang="en-US" baseline="0" dirty="0" err="1"/>
-              <a:t>delle</a:t>
-            </a:r>
-            <a:r>
-              <a:rPr lang="en-US" baseline="0" dirty="0"/>
-              <a:t> </a:t>
-            </a:r>
-            <a:r>
-              <a:rPr lang="en-US" baseline="0" dirty="0" err="1"/>
-              <a:t>colonne</a:t>
-            </a:r>
-            <a:endParaRPr lang="en-US" dirty="0"/>
+              <a:rPr lang="it-IT" dirty="0"/>
+              <a:t>Punto di partenza: ho un file </a:t>
+            </a:r>
+            <a:r>
+              <a:rPr lang="it-IT" dirty="0" err="1"/>
+              <a:t>csv</a:t>
+            </a:r>
+            <a:r>
+              <a:rPr lang="it-IT" dirty="0"/>
+              <a:t> con </a:t>
+            </a:r>
           </a:p>
         </p:txBody>
       </p:sp>
@@ -1956,7 +2627,7 @@
           <a:p>
             <a:fld id="{B38CEA09-33FA-4F6C-9D30-5FB0AA0E11C3}" type="slidenum">
               <a:rPr lang="it-IT" smtClean="0"/>
-              <a:t>29</a:t>
+              <a:t>27</a:t>
             </a:fld>
             <a:endParaRPr lang="it-IT" dirty="0"/>
           </a:p>
@@ -1965,7 +2636,7 @@
     </p:spTree>
     <p:extLst>
       <p:ext uri="{BB962C8B-B14F-4D97-AF65-F5344CB8AC3E}">
-        <p14:creationId xmlns:p14="http://schemas.microsoft.com/office/powerpoint/2010/main" val="2128317767"/>
+        <p14:creationId xmlns:p14="http://schemas.microsoft.com/office/powerpoint/2010/main" val="3749314019"/>
       </p:ext>
     </p:extLst>
   </p:cSld>
@@ -2201,7 +2872,7 @@
           <a:p>
             <a:fld id="{65061730-2F0F-4B55-83F4-33856D80FFD7}" type="datetime1">
               <a:rPr lang="en-US" smtClean="0"/>
-              <a:t>2/9/2022</a:t>
+              <a:t>2/17/2023</a:t>
             </a:fld>
             <a:endParaRPr lang="en-US" dirty="0"/>
           </a:p>
@@ -2409,7 +3080,7 @@
           <a:p>
             <a:fld id="{BE1035D6-F845-4530-B289-DD4EC9CAE501}" type="datetime1">
               <a:rPr lang="en-US" smtClean="0"/>
-              <a:t>2/9/2022</a:t>
+              <a:t>2/17/2023</a:t>
             </a:fld>
             <a:endParaRPr lang="en-US" dirty="0"/>
           </a:p>
@@ -2665,7 +3336,7 @@
           <a:p>
             <a:fld id="{EDD3DE46-844C-40F1-AAA7-78AD6518D44C}" type="datetime1">
               <a:rPr lang="en-US" smtClean="0"/>
-              <a:t>2/9/2022</a:t>
+              <a:t>2/17/2023</a:t>
             </a:fld>
             <a:endParaRPr lang="en-US" dirty="0"/>
           </a:p>
@@ -2837,7 +3508,7 @@
           <a:p>
             <a:fld id="{1FCF7768-7A83-43C9-9C3D-95CD5F68D7E2}" type="datetime1">
               <a:rPr lang="en-US" smtClean="0"/>
-              <a:t>2/9/2022</a:t>
+              <a:t>2/17/2023</a:t>
             </a:fld>
             <a:endParaRPr lang="en-US" dirty="0"/>
           </a:p>
@@ -3180,7 +3851,7 @@
           <a:p>
             <a:fld id="{58DD30C4-1715-4BC2-976F-EF7BA4DC70B4}" type="datetime1">
               <a:rPr lang="en-US" smtClean="0"/>
-              <a:t>2/9/2022</a:t>
+              <a:t>2/17/2023</a:t>
             </a:fld>
             <a:endParaRPr lang="en-US" dirty="0"/>
           </a:p>
@@ -3455,7 +4126,7 @@
           <a:p>
             <a:fld id="{E92CF10C-564E-48D4-BE3A-05BB93A7F107}" type="datetime1">
               <a:rPr lang="en-US" smtClean="0"/>
-              <a:t>2/9/2022</a:t>
+              <a:t>2/17/2023</a:t>
             </a:fld>
             <a:endParaRPr lang="en-US" dirty="0"/>
           </a:p>
@@ -3834,7 +4505,7 @@
           <a:p>
             <a:fld id="{CEF5B9DB-33AD-46E7-ADFD-C52815BFEA09}" type="datetime1">
               <a:rPr lang="en-US" smtClean="0"/>
-              <a:t>2/9/2022</a:t>
+              <a:t>2/17/2023</a:t>
             </a:fld>
             <a:endParaRPr lang="en-US" dirty="0"/>
           </a:p>
@@ -3952,7 +4623,7 @@
           <a:p>
             <a:fld id="{EFC02824-932F-46A1-8D0D-D52979BEE663}" type="datetime1">
               <a:rPr lang="en-US" smtClean="0"/>
-              <a:t>2/9/2022</a:t>
+              <a:t>2/17/2023</a:t>
             </a:fld>
             <a:endParaRPr lang="en-US" dirty="0"/>
           </a:p>
@@ -4123,7 +4794,7 @@
           <a:p>
             <a:fld id="{36233CB2-1968-4F08-9AB4-83693145DE18}" type="datetime1">
               <a:rPr lang="en-US" smtClean="0"/>
-              <a:t>2/9/2022</a:t>
+              <a:t>2/17/2023</a:t>
             </a:fld>
             <a:endParaRPr lang="en-US" dirty="0"/>
           </a:p>
@@ -4478,7 +5149,7 @@
           <a:p>
             <a:fld id="{F8F6D7E5-1322-4764-A2E4-7B71FFFDE726}" type="datetime1">
               <a:rPr lang="en-US" smtClean="0"/>
-              <a:t>2/9/2022</a:t>
+              <a:t>2/17/2023</a:t>
             </a:fld>
             <a:endParaRPr lang="en-US" dirty="0"/>
           </a:p>
@@ -4856,7 +5527,7 @@
           <a:p>
             <a:fld id="{E26D0A1A-929F-4DC6-9A8A-74A15252C912}" type="datetime1">
               <a:rPr lang="en-US" smtClean="0"/>
-              <a:t>2/9/2022</a:t>
+              <a:t>2/17/2023</a:t>
             </a:fld>
             <a:endParaRPr lang="en-US" dirty="0"/>
           </a:p>
@@ -5143,7 +5814,7 @@
           <a:p>
             <a:fld id="{EDD3DE46-844C-40F1-AAA7-78AD6518D44C}" type="datetime1">
               <a:rPr lang="en-US" smtClean="0"/>
-              <a:t>2/9/2022</a:t>
+              <a:t>2/17/2023</a:t>
             </a:fld>
             <a:endParaRPr lang="en-US" dirty="0"/>
           </a:p>
@@ -11642,8 +12313,8 @@
         </p:nvSpPr>
         <p:spPr>
           <a:xfrm>
-            <a:off x="5195601" y="2096135"/>
-            <a:ext cx="3318537" cy="2277547"/>
+            <a:off x="5195602" y="2096135"/>
+            <a:ext cx="3541170" cy="3754874"/>
           </a:xfrm>
           <a:prstGeom prst="rect">
             <a:avLst/>
@@ -11651,7 +12322,7 @@
           <a:noFill/>
         </p:spPr>
         <p:txBody>
-          <a:bodyPr wrap="none" rtlCol="0">
+          <a:bodyPr wrap="square" rtlCol="0">
             <a:spAutoFit/>
           </a:bodyPr>
           <a:lstStyle/>
@@ -11786,6 +12457,189 @@
                 <a:latin typeface="Courier New" panose="02070309020205020404" pitchFamily="49" charset="0"/>
               </a:rPr>
               <a:t>2015</a:t>
+            </a:r>
+            <a:r>
+              <a:rPr lang="en-US" sz="1400" dirty="0">
+                <a:solidFill>
+                  <a:srgbClr val="374C51"/>
+                </a:solidFill>
+                <a:latin typeface="Courier New" panose="02070309020205020404" pitchFamily="49" charset="0"/>
+              </a:rPr>
+              <a:t>; </a:t>
+            </a:r>
+          </a:p>
+          <a:p>
+            <a:endParaRPr lang="en-US" sz="1400" b="1" u="sng" dirty="0">
+              <a:solidFill>
+                <a:srgbClr val="374C51"/>
+              </a:solidFill>
+              <a:latin typeface="Courier New" panose="02070309020205020404" pitchFamily="49" charset="0"/>
+            </a:endParaRPr>
+          </a:p>
+          <a:p>
+            <a:r>
+              <a:rPr lang="en-US" sz="1400" b="1" u="sng" dirty="0" err="1">
+                <a:solidFill>
+                  <a:srgbClr val="374C51"/>
+                </a:solidFill>
+                <a:latin typeface="Courier New" panose="02070309020205020404" pitchFamily="49" charset="0"/>
+              </a:rPr>
+              <a:t>Queste</a:t>
+            </a:r>
+            <a:r>
+              <a:rPr lang="en-US" sz="1400" b="1" u="sng" dirty="0">
+                <a:solidFill>
+                  <a:srgbClr val="374C51"/>
+                </a:solidFill>
+                <a:latin typeface="Courier New" panose="02070309020205020404" pitchFamily="49" charset="0"/>
+              </a:rPr>
+              <a:t> non </a:t>
+            </a:r>
+            <a:r>
+              <a:rPr lang="en-US" sz="1400" b="1" u="sng" dirty="0" err="1">
+                <a:solidFill>
+                  <a:srgbClr val="374C51"/>
+                </a:solidFill>
+                <a:latin typeface="Courier New" panose="02070309020205020404" pitchFamily="49" charset="0"/>
+              </a:rPr>
+              <a:t>vanno</a:t>
+            </a:r>
+            <a:r>
+              <a:rPr lang="en-US" sz="1400" b="1" u="sng" dirty="0">
+                <a:solidFill>
+                  <a:srgbClr val="374C51"/>
+                </a:solidFill>
+                <a:latin typeface="Courier New" panose="02070309020205020404" pitchFamily="49" charset="0"/>
+              </a:rPr>
+              <a:t> e </a:t>
+            </a:r>
+            <a:r>
+              <a:rPr lang="en-US" sz="1400" b="1" u="sng" dirty="0" err="1">
+                <a:solidFill>
+                  <a:srgbClr val="374C51"/>
+                </a:solidFill>
+                <a:latin typeface="Courier New" panose="02070309020205020404" pitchFamily="49" charset="0"/>
+              </a:rPr>
+              <a:t>scopriremo</a:t>
+            </a:r>
+            <a:r>
+              <a:rPr lang="en-US" sz="1400" b="1" u="sng" dirty="0">
+                <a:solidFill>
+                  <a:srgbClr val="374C51"/>
+                </a:solidFill>
+                <a:latin typeface="Courier New" panose="02070309020205020404" pitchFamily="49" charset="0"/>
+              </a:rPr>
+              <a:t> </a:t>
+            </a:r>
+            <a:r>
+              <a:rPr lang="en-US" sz="1400" b="1" u="sng" dirty="0" err="1">
+                <a:solidFill>
+                  <a:srgbClr val="374C51"/>
+                </a:solidFill>
+                <a:latin typeface="Courier New" panose="02070309020205020404" pitchFamily="49" charset="0"/>
+              </a:rPr>
+              <a:t>perchè</a:t>
+            </a:r>
+            <a:endParaRPr lang="en-US" sz="1400" b="1" u="sng" dirty="0">
+              <a:solidFill>
+                <a:srgbClr val="374C51"/>
+              </a:solidFill>
+              <a:latin typeface="Courier New" panose="02070309020205020404" pitchFamily="49" charset="0"/>
+            </a:endParaRPr>
+          </a:p>
+          <a:p>
+            <a:endParaRPr lang="en-US" sz="1400" b="1" dirty="0">
+              <a:solidFill>
+                <a:srgbClr val="374C51"/>
+              </a:solidFill>
+              <a:latin typeface="Courier New" panose="02070309020205020404" pitchFamily="49" charset="0"/>
+            </a:endParaRPr>
+          </a:p>
+          <a:p>
+            <a:r>
+              <a:rPr lang="en-US" sz="1400" b="1" dirty="0">
+                <a:solidFill>
+                  <a:srgbClr val="445588"/>
+                </a:solidFill>
+                <a:latin typeface="Courier New" panose="02070309020205020404" pitchFamily="49" charset="0"/>
+              </a:rPr>
+              <a:t>SELECT</a:t>
+            </a:r>
+            <a:r>
+              <a:rPr lang="en-US" sz="1400" dirty="0">
+                <a:solidFill>
+                  <a:srgbClr val="374C51"/>
+                </a:solidFill>
+                <a:latin typeface="Courier New" panose="02070309020205020404" pitchFamily="49" charset="0"/>
+              </a:rPr>
+              <a:t> * </a:t>
+            </a:r>
+          </a:p>
+          <a:p>
+            <a:r>
+              <a:rPr lang="en-US" sz="1400" b="1" dirty="0">
+                <a:solidFill>
+                  <a:srgbClr val="000000"/>
+                </a:solidFill>
+                <a:latin typeface="Courier New" panose="02070309020205020404" pitchFamily="49" charset="0"/>
+              </a:rPr>
+              <a:t>FROM</a:t>
+            </a:r>
+            <a:r>
+              <a:rPr lang="en-US" sz="1400" dirty="0">
+                <a:solidFill>
+                  <a:srgbClr val="374C51"/>
+                </a:solidFill>
+                <a:latin typeface="Courier New" panose="02070309020205020404" pitchFamily="49" charset="0"/>
+              </a:rPr>
+              <a:t> </a:t>
+            </a:r>
+            <a:r>
+              <a:rPr lang="en-US" sz="1400" dirty="0" err="1">
+                <a:solidFill>
+                  <a:srgbClr val="374C51"/>
+                </a:solidFill>
+                <a:latin typeface="Courier New" panose="02070309020205020404" pitchFamily="49" charset="0"/>
+              </a:rPr>
+              <a:t>videos_by_title_year</a:t>
+            </a:r>
+            <a:r>
+              <a:rPr lang="en-US" sz="1400" dirty="0">
+                <a:solidFill>
+                  <a:srgbClr val="374C51"/>
+                </a:solidFill>
+                <a:latin typeface="Courier New" panose="02070309020205020404" pitchFamily="49" charset="0"/>
+              </a:rPr>
+              <a:t> </a:t>
+            </a:r>
+          </a:p>
+          <a:p>
+            <a:r>
+              <a:rPr lang="en-US" sz="1400" b="1" dirty="0">
+                <a:solidFill>
+                  <a:srgbClr val="000000"/>
+                </a:solidFill>
+                <a:latin typeface="Courier New" panose="02070309020205020404" pitchFamily="49" charset="0"/>
+              </a:rPr>
+              <a:t>WHERE</a:t>
+            </a:r>
+            <a:r>
+              <a:rPr lang="en-US" sz="1400" dirty="0">
+                <a:solidFill>
+                  <a:srgbClr val="374C51"/>
+                </a:solidFill>
+                <a:latin typeface="Courier New" panose="02070309020205020404" pitchFamily="49" charset="0"/>
+              </a:rPr>
+              <a:t> title = </a:t>
+            </a:r>
+            <a:r>
+              <a:rPr lang="en-US" sz="1400" dirty="0">
+                <a:solidFill>
+                  <a:srgbClr val="DD1144"/>
+                </a:solidFill>
+                <a:latin typeface="inherit"/>
+              </a:rPr>
+              <a:t>'Sleepy Grumpy Cat'</a:t>
             </a:r>
             <a:r>
               <a:rPr lang="en-US" sz="1400" dirty="0">
@@ -14151,7 +15005,7 @@
           <p:nvPr/>
         </p:nvPicPr>
         <p:blipFill>
-          <a:blip r:embed="rId2"/>
+          <a:blip r:embed="rId3"/>
           <a:stretch>
             <a:fillRect/>
           </a:stretch>
@@ -18873,7 +19727,7 @@
         <p:spPr>
           <a:xfrm>
             <a:off x="822960" y="1985306"/>
-            <a:ext cx="4756174" cy="3323987"/>
+            <a:ext cx="4530471" cy="3323987"/>
           </a:xfrm>
           <a:prstGeom prst="rect">
             <a:avLst/>
@@ -19378,13 +20232,13 @@
               <a:t>2015</a:t>
             </a:r>
             <a:r>
-              <a:rPr lang="en-US" sz="1400" dirty="0">
-                <a:solidFill>
-                  <a:srgbClr val="374C51"/>
-                </a:solidFill>
-                <a:latin typeface="Courier New" panose="02070309020205020404" pitchFamily="49" charset="0"/>
-              </a:rPr>
-              <a:t>;</a:t>
+              <a:rPr lang="en-US" sz="1400" b="1" dirty="0">
+                <a:solidFill>
+                  <a:srgbClr val="000000"/>
+                </a:solidFill>
+                <a:latin typeface="Courier New" panose="02070309020205020404" pitchFamily="49" charset="0"/>
+              </a:rPr>
+              <a:t> ALLOW FILTERING;</a:t>
             </a:r>
           </a:p>
           <a:p>
@@ -21902,7 +22756,7 @@
         </p:nvSpPr>
         <p:spPr>
           <a:xfrm>
-            <a:off x="822959" y="3857414"/>
+            <a:off x="822959" y="3954950"/>
             <a:ext cx="3887603" cy="2308324"/>
           </a:xfrm>
           <a:prstGeom prst="rect">
@@ -25234,7 +26088,7 @@
         </p:nvSpPr>
         <p:spPr>
           <a:xfrm>
-            <a:off x="822960" y="1887554"/>
+            <a:off x="822960" y="1924130"/>
             <a:ext cx="5769528" cy="3970318"/>
           </a:xfrm>
           <a:prstGeom prst="rect">
@@ -27305,7 +28159,7 @@
           <p:nvPr/>
         </p:nvPicPr>
         <p:blipFill>
-          <a:blip r:embed="rId2"/>
+          <a:blip r:embed="rId3"/>
           <a:stretch>
             <a:fillRect/>
           </a:stretch>
